--- a/Презентация проекта.pptx
+++ b/Презентация проекта.pptx
@@ -7,6 +7,8 @@
   <p:sldIdLst>
     <p:sldId id="256" r:id="rId2"/>
     <p:sldId id="257" r:id="rId3"/>
+    <p:sldId id="258" r:id="rId4"/>
+    <p:sldId id="259" r:id="rId5"/>
   </p:sldIdLst>
   <p:sldSz cx="12192000" cy="6858000"/>
   <p:notesSz cx="6858000" cy="9144000"/>
@@ -105,7 +107,239 @@
       </a:defRPr>
     </a:lvl9pPr>
   </p:defaultTextStyle>
+  <p:extLst>
+    <p:ext uri="{EFAFB233-063F-42B5-8137-9DF3F51BA10A}">
+      <p15:sldGuideLst xmlns:p15="http://schemas.microsoft.com/office/powerpoint/2012/main"/>
+    </p:ext>
+  </p:extLst>
 </p:presentation>
+</file>
+
+<file path=ppt/changesInfos/changesInfo1.xml><?xml version="1.0" encoding="utf-8"?>
+<pc:chgInfo xmlns:a="http://schemas.openxmlformats.org/drawingml/2006/main" xmlns:r="http://schemas.openxmlformats.org/officeDocument/2006/relationships" xmlns:ac="http://schemas.microsoft.com/office/drawing/2013/main/command" xmlns:pc="http://schemas.microsoft.com/office/powerpoint/2013/main/command">
+  <pc:docChgLst>
+    <pc:chgData name="is family" userId="bf32de6d1489f537" providerId="LiveId" clId="{5E2B396F-D09B-4B42-A1E3-11012A0F7E4C}"/>
+    <pc:docChg chg="undo custSel addSld modSld">
+      <pc:chgData name="is family" userId="bf32de6d1489f537" providerId="LiveId" clId="{5E2B396F-D09B-4B42-A1E3-11012A0F7E4C}" dt="2021-10-31T19:26:53.041" v="162" actId="14100"/>
+      <pc:docMkLst>
+        <pc:docMk/>
+      </pc:docMkLst>
+      <pc:sldChg chg="modSp mod">
+        <pc:chgData name="is family" userId="bf32de6d1489f537" providerId="LiveId" clId="{5E2B396F-D09B-4B42-A1E3-11012A0F7E4C}" dt="2021-10-31T19:08:29.458" v="23" actId="20577"/>
+        <pc:sldMkLst>
+          <pc:docMk/>
+          <pc:sldMk cId="1668016707" sldId="257"/>
+        </pc:sldMkLst>
+        <pc:spChg chg="mod">
+          <ac:chgData name="is family" userId="bf32de6d1489f537" providerId="LiveId" clId="{5E2B396F-D09B-4B42-A1E3-11012A0F7E4C}" dt="2021-10-31T19:08:29.458" v="23" actId="20577"/>
+          <ac:spMkLst>
+            <pc:docMk/>
+            <pc:sldMk cId="1668016707" sldId="257"/>
+            <ac:spMk id="2" creationId="{C8DE0CA6-86AF-4722-933B-5108D004722A}"/>
+          </ac:spMkLst>
+        </pc:spChg>
+        <pc:spChg chg="mod">
+          <ac:chgData name="is family" userId="bf32de6d1489f537" providerId="LiveId" clId="{5E2B396F-D09B-4B42-A1E3-11012A0F7E4C}" dt="2021-10-31T19:08:02.620" v="3" actId="20577"/>
+          <ac:spMkLst>
+            <pc:docMk/>
+            <pc:sldMk cId="1668016707" sldId="257"/>
+            <ac:spMk id="3" creationId="{25121BA8-DDDE-4623-B61C-D8A989B076E2}"/>
+          </ac:spMkLst>
+        </pc:spChg>
+      </pc:sldChg>
+      <pc:sldChg chg="addSp delSp modSp new mod">
+        <pc:chgData name="is family" userId="bf32de6d1489f537" providerId="LiveId" clId="{5E2B396F-D09B-4B42-A1E3-11012A0F7E4C}" dt="2021-10-31T19:19:46.834" v="130" actId="1076"/>
+        <pc:sldMkLst>
+          <pc:docMk/>
+          <pc:sldMk cId="1314326759" sldId="258"/>
+        </pc:sldMkLst>
+        <pc:spChg chg="mod">
+          <ac:chgData name="is family" userId="bf32de6d1489f537" providerId="LiveId" clId="{5E2B396F-D09B-4B42-A1E3-11012A0F7E4C}" dt="2021-10-31T19:08:52.294" v="62" actId="20577"/>
+          <ac:spMkLst>
+            <pc:docMk/>
+            <pc:sldMk cId="1314326759" sldId="258"/>
+            <ac:spMk id="2" creationId="{497C494F-5D9D-43F1-8BE3-70F3B96C73EF}"/>
+          </ac:spMkLst>
+        </pc:spChg>
+        <pc:spChg chg="del">
+          <ac:chgData name="is family" userId="bf32de6d1489f537" providerId="LiveId" clId="{5E2B396F-D09B-4B42-A1E3-11012A0F7E4C}" dt="2021-10-31T19:13:09.808" v="85" actId="478"/>
+          <ac:spMkLst>
+            <pc:docMk/>
+            <pc:sldMk cId="1314326759" sldId="258"/>
+            <ac:spMk id="3" creationId="{5D192203-6569-4BA3-B5C7-FEFB22E5B795}"/>
+          </ac:spMkLst>
+        </pc:spChg>
+        <pc:spChg chg="add mod">
+          <ac:chgData name="is family" userId="bf32de6d1489f537" providerId="LiveId" clId="{5E2B396F-D09B-4B42-A1E3-11012A0F7E4C}" dt="2021-10-31T19:17:16.708" v="109" actId="1076"/>
+          <ac:spMkLst>
+            <pc:docMk/>
+            <pc:sldMk cId="1314326759" sldId="258"/>
+            <ac:spMk id="6" creationId="{72C44C01-BA6F-4DED-902C-D5E332DD6B24}"/>
+          </ac:spMkLst>
+        </pc:spChg>
+        <pc:spChg chg="add mod">
+          <ac:chgData name="is family" userId="bf32de6d1489f537" providerId="LiveId" clId="{5E2B396F-D09B-4B42-A1E3-11012A0F7E4C}" dt="2021-10-31T19:14:30.267" v="96" actId="1076"/>
+          <ac:spMkLst>
+            <pc:docMk/>
+            <pc:sldMk cId="1314326759" sldId="258"/>
+            <ac:spMk id="10" creationId="{F94D97FD-E1F1-4EBF-8A88-ED34545F61C2}"/>
+          </ac:spMkLst>
+        </pc:spChg>
+        <pc:spChg chg="add del">
+          <ac:chgData name="is family" userId="bf32de6d1489f537" providerId="LiveId" clId="{5E2B396F-D09B-4B42-A1E3-11012A0F7E4C}" dt="2021-10-31T19:18:22.555" v="116" actId="11529"/>
+          <ac:spMkLst>
+            <pc:docMk/>
+            <pc:sldMk cId="1314326759" sldId="258"/>
+            <ac:spMk id="11" creationId="{50CBF7BE-466F-4EAE-9109-B0A37CD85B1D}"/>
+          </ac:spMkLst>
+        </pc:spChg>
+        <pc:spChg chg="add mod">
+          <ac:chgData name="is family" userId="bf32de6d1489f537" providerId="LiveId" clId="{5E2B396F-D09B-4B42-A1E3-11012A0F7E4C}" dt="2021-10-31T19:15:04.316" v="101" actId="1076"/>
+          <ac:spMkLst>
+            <pc:docMk/>
+            <pc:sldMk cId="1314326759" sldId="258"/>
+            <ac:spMk id="13" creationId="{B60AA0CC-7D3E-41F7-898E-2DD9A6EA62A4}"/>
+          </ac:spMkLst>
+        </pc:spChg>
+        <pc:spChg chg="add mod">
+          <ac:chgData name="is family" userId="bf32de6d1489f537" providerId="LiveId" clId="{5E2B396F-D09B-4B42-A1E3-11012A0F7E4C}" dt="2021-10-31T19:18:54.350" v="121" actId="1076"/>
+          <ac:spMkLst>
+            <pc:docMk/>
+            <pc:sldMk cId="1314326759" sldId="258"/>
+            <ac:spMk id="14" creationId="{BE61B4C0-C759-4772-BE2B-D6DD57EC11B4}"/>
+          </ac:spMkLst>
+        </pc:spChg>
+        <pc:spChg chg="add mod">
+          <ac:chgData name="is family" userId="bf32de6d1489f537" providerId="LiveId" clId="{5E2B396F-D09B-4B42-A1E3-11012A0F7E4C}" dt="2021-10-31T19:19:46.834" v="130" actId="1076"/>
+          <ac:spMkLst>
+            <pc:docMk/>
+            <pc:sldMk cId="1314326759" sldId="258"/>
+            <ac:spMk id="17" creationId="{C846A8FD-1066-4116-A159-D476DF670A06}"/>
+          </ac:spMkLst>
+        </pc:spChg>
+        <pc:picChg chg="add mod">
+          <ac:chgData name="is family" userId="bf32de6d1489f537" providerId="LiveId" clId="{5E2B396F-D09B-4B42-A1E3-11012A0F7E4C}" dt="2021-10-31T19:16:58.197" v="107" actId="1076"/>
+          <ac:picMkLst>
+            <pc:docMk/>
+            <pc:sldMk cId="1314326759" sldId="258"/>
+            <ac:picMk id="4" creationId="{DA7761F6-2B89-4DF9-A97A-A5951FD4B716}"/>
+          </ac:picMkLst>
+        </pc:picChg>
+        <pc:picChg chg="add mod">
+          <ac:chgData name="is family" userId="bf32de6d1489f537" providerId="LiveId" clId="{5E2B396F-D09B-4B42-A1E3-11012A0F7E4C}" dt="2021-10-31T19:13:40.851" v="89" actId="1076"/>
+          <ac:picMkLst>
+            <pc:docMk/>
+            <pc:sldMk cId="1314326759" sldId="258"/>
+            <ac:picMk id="5" creationId="{2FCDADD2-F9E6-411D-AD49-2432D056B6B3}"/>
+          </ac:picMkLst>
+        </pc:picChg>
+        <pc:picChg chg="add mod">
+          <ac:chgData name="is family" userId="bf32de6d1489f537" providerId="LiveId" clId="{5E2B396F-D09B-4B42-A1E3-11012A0F7E4C}" dt="2021-10-31T19:13:55.796" v="92" actId="1076"/>
+          <ac:picMkLst>
+            <pc:docMk/>
+            <pc:sldMk cId="1314326759" sldId="258"/>
+            <ac:picMk id="7" creationId="{DC9E6B28-3187-4F52-B4F6-01B6F8FDC409}"/>
+          </ac:picMkLst>
+        </pc:picChg>
+        <pc:picChg chg="add mod">
+          <ac:chgData name="is family" userId="bf32de6d1489f537" providerId="LiveId" clId="{5E2B396F-D09B-4B42-A1E3-11012A0F7E4C}" dt="2021-10-31T19:17:43.345" v="112" actId="1076"/>
+          <ac:picMkLst>
+            <pc:docMk/>
+            <pc:sldMk cId="1314326759" sldId="258"/>
+            <ac:picMk id="9" creationId="{EA106D1B-C1C4-48EB-9907-00B00FEEFBB4}"/>
+          </ac:picMkLst>
+        </pc:picChg>
+        <pc:picChg chg="add mod">
+          <ac:chgData name="is family" userId="bf32de6d1489f537" providerId="LiveId" clId="{5E2B396F-D09B-4B42-A1E3-11012A0F7E4C}" dt="2021-10-31T19:14:51.659" v="99" actId="1076"/>
+          <ac:picMkLst>
+            <pc:docMk/>
+            <pc:sldMk cId="1314326759" sldId="258"/>
+            <ac:picMk id="12" creationId="{EA732212-FBDF-4850-835B-F2259F02E5A1}"/>
+          </ac:picMkLst>
+        </pc:picChg>
+        <pc:picChg chg="add mod">
+          <ac:chgData name="is family" userId="bf32de6d1489f537" providerId="LiveId" clId="{5E2B396F-D09B-4B42-A1E3-11012A0F7E4C}" dt="2021-10-31T19:19:33.824" v="128" actId="1076"/>
+          <ac:picMkLst>
+            <pc:docMk/>
+            <pc:sldMk cId="1314326759" sldId="258"/>
+            <ac:picMk id="16" creationId="{298CC73F-CEBC-4A1A-B33C-2C70FBFABAB8}"/>
+          </ac:picMkLst>
+        </pc:picChg>
+        <pc:cxnChg chg="add del">
+          <ac:chgData name="is family" userId="bf32de6d1489f537" providerId="LiveId" clId="{5E2B396F-D09B-4B42-A1E3-11012A0F7E4C}" dt="2021-10-31T19:14:15.674" v="94" actId="11529"/>
+          <ac:cxnSpMkLst>
+            <pc:docMk/>
+            <pc:sldMk cId="1314326759" sldId="258"/>
+            <ac:cxnSpMk id="9" creationId="{1633C04A-3C26-4CAA-BF9B-F98698588072}"/>
+          </ac:cxnSpMkLst>
+        </pc:cxnChg>
+      </pc:sldChg>
+      <pc:sldChg chg="addSp delSp modSp new mod">
+        <pc:chgData name="is family" userId="bf32de6d1489f537" providerId="LiveId" clId="{5E2B396F-D09B-4B42-A1E3-11012A0F7E4C}" dt="2021-10-31T19:26:53.041" v="162" actId="14100"/>
+        <pc:sldMkLst>
+          <pc:docMk/>
+          <pc:sldMk cId="1705515275" sldId="259"/>
+        </pc:sldMkLst>
+        <pc:spChg chg="mod">
+          <ac:chgData name="is family" userId="bf32de6d1489f537" providerId="LiveId" clId="{5E2B396F-D09B-4B42-A1E3-11012A0F7E4C}" dt="2021-10-31T19:09:11.254" v="84" actId="20577"/>
+          <ac:spMkLst>
+            <pc:docMk/>
+            <pc:sldMk cId="1705515275" sldId="259"/>
+            <ac:spMk id="2" creationId="{BA323C6F-4559-4EDF-93FB-346D6BC86FEB}"/>
+          </ac:spMkLst>
+        </pc:spChg>
+        <pc:spChg chg="del">
+          <ac:chgData name="is family" userId="bf32de6d1489f537" providerId="LiveId" clId="{5E2B396F-D09B-4B42-A1E3-11012A0F7E4C}" dt="2021-10-31T19:23:34.865" v="131" actId="478"/>
+          <ac:spMkLst>
+            <pc:docMk/>
+            <pc:sldMk cId="1705515275" sldId="259"/>
+            <ac:spMk id="3" creationId="{80C2E048-9F13-4B9B-9C5E-1A277AC6F078}"/>
+          </ac:spMkLst>
+        </pc:spChg>
+        <pc:spChg chg="add mod">
+          <ac:chgData name="is family" userId="bf32de6d1489f537" providerId="LiveId" clId="{5E2B396F-D09B-4B42-A1E3-11012A0F7E4C}" dt="2021-10-31T19:26:20.354" v="154" actId="1076"/>
+          <ac:spMkLst>
+            <pc:docMk/>
+            <pc:sldMk cId="1705515275" sldId="259"/>
+            <ac:spMk id="9" creationId="{5358AD6A-57B1-4808-A68C-75AADF92BD63}"/>
+          </ac:spMkLst>
+        </pc:spChg>
+        <pc:spChg chg="add mod">
+          <ac:chgData name="is family" userId="bf32de6d1489f537" providerId="LiveId" clId="{5E2B396F-D09B-4B42-A1E3-11012A0F7E4C}" dt="2021-10-31T19:26:53.041" v="162" actId="14100"/>
+          <ac:spMkLst>
+            <pc:docMk/>
+            <pc:sldMk cId="1705515275" sldId="259"/>
+            <ac:spMk id="10" creationId="{6D577E3C-387B-4693-AEAD-93679B02DDE0}"/>
+          </ac:spMkLst>
+        </pc:spChg>
+        <pc:graphicFrameChg chg="add del mod">
+          <ac:chgData name="is family" userId="bf32de6d1489f537" providerId="LiveId" clId="{5E2B396F-D09B-4B42-A1E3-11012A0F7E4C}" dt="2021-10-31T19:23:41.095" v="133" actId="478"/>
+          <ac:graphicFrameMkLst>
+            <pc:docMk/>
+            <pc:sldMk cId="1705515275" sldId="259"/>
+            <ac:graphicFrameMk id="4" creationId="{6F4612DF-75E3-4B68-ABC9-8F3EEF5B128F}"/>
+          </ac:graphicFrameMkLst>
+        </pc:graphicFrameChg>
+        <pc:picChg chg="add mod">
+          <ac:chgData name="is family" userId="bf32de6d1489f537" providerId="LiveId" clId="{5E2B396F-D09B-4B42-A1E3-11012A0F7E4C}" dt="2021-10-31T19:26:44.873" v="160" actId="1076"/>
+          <ac:picMkLst>
+            <pc:docMk/>
+            <pc:sldMk cId="1705515275" sldId="259"/>
+            <ac:picMk id="6" creationId="{FAE40996-A0EB-4405-8FBF-C3291E1378AB}"/>
+          </ac:picMkLst>
+        </pc:picChg>
+        <pc:cxnChg chg="add del">
+          <ac:chgData name="is family" userId="bf32de6d1489f537" providerId="LiveId" clId="{5E2B396F-D09B-4B42-A1E3-11012A0F7E4C}" dt="2021-10-31T19:24:54.488" v="137" actId="11529"/>
+          <ac:cxnSpMkLst>
+            <pc:docMk/>
+            <pc:sldMk cId="1705515275" sldId="259"/>
+            <ac:cxnSpMk id="8" creationId="{AAD5D41A-234C-4FF3-8DC9-ED5C7D21D701}"/>
+          </ac:cxnSpMkLst>
+        </pc:cxnChg>
+      </pc:sldChg>
+    </pc:docChg>
+  </pc:docChgLst>
+</pc:chgInfo>
 </file>
 
 <file path=ppt/slideLayouts/slideLayout1.xml><?xml version="1.0" encoding="utf-8"?>
@@ -3423,7 +3657,10 @@
           <a:bodyPr/>
           <a:lstStyle/>
           <a:p>
-            <a:endParaRPr lang="ru-RU"/>
+            <a:r>
+              <a:rPr lang="ru-RU" dirty="0"/>
+              <a:t>Актуальность проекта</a:t>
+            </a:r>
           </a:p>
         </p:txBody>
       </p:sp>
@@ -3448,11 +3685,7 @@
           <a:bodyPr/>
           <a:lstStyle/>
           <a:p>
-            <a:r>
-              <a:rPr lang="en-US"/>
-              <a:t>jhbj</a:t>
-            </a:r>
-            <a:endParaRPr lang="ru-RU"/>
+            <a:endParaRPr lang="ru-RU" dirty="0"/>
           </a:p>
         </p:txBody>
       </p:sp>
@@ -3460,6 +3693,662 @@
     <p:extLst>
       <p:ext uri="{BB962C8B-B14F-4D97-AF65-F5344CB8AC3E}">
         <p14:creationId xmlns:p14="http://schemas.microsoft.com/office/powerpoint/2010/main" val="1668016707"/>
+      </p:ext>
+    </p:extLst>
+  </p:cSld>
+  <p:clrMapOvr>
+    <a:masterClrMapping/>
+  </p:clrMapOvr>
+</p:sld>
+</file>
+
+<file path=ppt/slides/slide3.xml><?xml version="1.0" encoding="utf-8"?>
+<p:sld xmlns:a="http://schemas.openxmlformats.org/drawingml/2006/main" xmlns:r="http://schemas.openxmlformats.org/officeDocument/2006/relationships" xmlns:p="http://schemas.openxmlformats.org/presentationml/2006/main">
+  <p:cSld>
+    <p:spTree>
+      <p:nvGrpSpPr>
+        <p:cNvPr id="1" name=""/>
+        <p:cNvGrpSpPr/>
+        <p:nvPr/>
+      </p:nvGrpSpPr>
+      <p:grpSpPr>
+        <a:xfrm>
+          <a:off x="0" y="0"/>
+          <a:ext cx="0" cy="0"/>
+          <a:chOff x="0" y="0"/>
+          <a:chExt cx="0" cy="0"/>
+        </a:xfrm>
+      </p:grpSpPr>
+      <p:sp>
+        <p:nvSpPr>
+          <p:cNvPr id="2" name="Заголовок 1">
+            <a:extLst>
+              <a:ext uri="{FF2B5EF4-FFF2-40B4-BE49-F238E27FC236}">
+                <a16:creationId xmlns:a16="http://schemas.microsoft.com/office/drawing/2014/main" id="{497C494F-5D9D-43F1-8BE3-70F3B96C73EF}"/>
+              </a:ext>
+            </a:extLst>
+          </p:cNvPr>
+          <p:cNvSpPr>
+            <a:spLocks noGrp="1"/>
+          </p:cNvSpPr>
+          <p:nvPr>
+            <p:ph type="title"/>
+          </p:nvPr>
+        </p:nvSpPr>
+        <p:spPr/>
+        <p:txBody>
+          <a:bodyPr/>
+          <a:lstStyle/>
+          <a:p>
+            <a:r>
+              <a:rPr lang="ru-RU" dirty="0"/>
+              <a:t>Карта пользовательского интерфейса</a:t>
+            </a:r>
+          </a:p>
+        </p:txBody>
+      </p:sp>
+      <p:pic>
+        <p:nvPicPr>
+          <p:cNvPr id="5" name="Рисунок 4">
+            <a:extLst>
+              <a:ext uri="{FF2B5EF4-FFF2-40B4-BE49-F238E27FC236}">
+                <a16:creationId xmlns:a16="http://schemas.microsoft.com/office/drawing/2014/main" id="{2FCDADD2-F9E6-411D-AD49-2432D056B6B3}"/>
+              </a:ext>
+            </a:extLst>
+          </p:cNvPr>
+          <p:cNvPicPr>
+            <a:picLocks noChangeAspect="1"/>
+          </p:cNvPicPr>
+          <p:nvPr/>
+        </p:nvPicPr>
+        <p:blipFill>
+          <a:blip r:embed="rId2"/>
+          <a:stretch>
+            <a:fillRect/>
+          </a:stretch>
+        </p:blipFill>
+        <p:spPr>
+          <a:xfrm>
+            <a:off x="619125" y="2961660"/>
+            <a:ext cx="1609725" cy="934679"/>
+          </a:xfrm>
+          <a:prstGeom prst="rect">
+            <a:avLst/>
+          </a:prstGeom>
+        </p:spPr>
+      </p:pic>
+      <p:pic>
+        <p:nvPicPr>
+          <p:cNvPr id="7" name="Рисунок 6">
+            <a:extLst>
+              <a:ext uri="{FF2B5EF4-FFF2-40B4-BE49-F238E27FC236}">
+                <a16:creationId xmlns:a16="http://schemas.microsoft.com/office/drawing/2014/main" id="{DC9E6B28-3187-4F52-B4F6-01B6F8FDC409}"/>
+              </a:ext>
+            </a:extLst>
+          </p:cNvPr>
+          <p:cNvPicPr>
+            <a:picLocks noChangeAspect="1"/>
+          </p:cNvPicPr>
+          <p:nvPr/>
+        </p:nvPicPr>
+        <p:blipFill>
+          <a:blip r:embed="rId3"/>
+          <a:stretch>
+            <a:fillRect/>
+          </a:stretch>
+        </p:blipFill>
+        <p:spPr>
+          <a:xfrm>
+            <a:off x="3030641" y="1876425"/>
+            <a:ext cx="3855934" cy="2755209"/>
+          </a:xfrm>
+          <a:prstGeom prst="rect">
+            <a:avLst/>
+          </a:prstGeom>
+        </p:spPr>
+      </p:pic>
+      <p:sp>
+        <p:nvSpPr>
+          <p:cNvPr id="10" name="Стрелка: вправо 9">
+            <a:extLst>
+              <a:ext uri="{FF2B5EF4-FFF2-40B4-BE49-F238E27FC236}">
+                <a16:creationId xmlns:a16="http://schemas.microsoft.com/office/drawing/2014/main" id="{F94D97FD-E1F1-4EBF-8A88-ED34545F61C2}"/>
+              </a:ext>
+            </a:extLst>
+          </p:cNvPr>
+          <p:cNvSpPr/>
+          <p:nvPr/>
+        </p:nvSpPr>
+        <p:spPr>
+          <a:xfrm>
+            <a:off x="1894299" y="3671425"/>
+            <a:ext cx="1136342" cy="195309"/>
+          </a:xfrm>
+          <a:prstGeom prst="rightArrow">
+            <a:avLst/>
+          </a:prstGeom>
+        </p:spPr>
+        <p:style>
+          <a:lnRef idx="2">
+            <a:schemeClr val="accent1">
+              <a:shade val="50000"/>
+            </a:schemeClr>
+          </a:lnRef>
+          <a:fillRef idx="1">
+            <a:schemeClr val="accent1"/>
+          </a:fillRef>
+          <a:effectRef idx="0">
+            <a:schemeClr val="accent1"/>
+          </a:effectRef>
+          <a:fontRef idx="minor">
+            <a:schemeClr val="lt1"/>
+          </a:fontRef>
+        </p:style>
+        <p:txBody>
+          <a:bodyPr rtlCol="0" anchor="ctr"/>
+          <a:lstStyle/>
+          <a:p>
+            <a:pPr algn="ctr"/>
+            <a:endParaRPr lang="ru-RU"/>
+          </a:p>
+        </p:txBody>
+      </p:sp>
+      <p:pic>
+        <p:nvPicPr>
+          <p:cNvPr id="12" name="Рисунок 11">
+            <a:extLst>
+              <a:ext uri="{FF2B5EF4-FFF2-40B4-BE49-F238E27FC236}">
+                <a16:creationId xmlns:a16="http://schemas.microsoft.com/office/drawing/2014/main" id="{EA732212-FBDF-4850-835B-F2259F02E5A1}"/>
+              </a:ext>
+            </a:extLst>
+          </p:cNvPr>
+          <p:cNvPicPr>
+            <a:picLocks noChangeAspect="1"/>
+          </p:cNvPicPr>
+          <p:nvPr/>
+        </p:nvPicPr>
+        <p:blipFill>
+          <a:blip r:embed="rId4"/>
+          <a:stretch>
+            <a:fillRect/>
+          </a:stretch>
+        </p:blipFill>
+        <p:spPr>
+          <a:xfrm>
+            <a:off x="7688366" y="1779736"/>
+            <a:ext cx="3242061" cy="901320"/>
+          </a:xfrm>
+          <a:prstGeom prst="rect">
+            <a:avLst/>
+          </a:prstGeom>
+        </p:spPr>
+      </p:pic>
+      <p:sp>
+        <p:nvSpPr>
+          <p:cNvPr id="13" name="Стрелка: вправо 12">
+            <a:extLst>
+              <a:ext uri="{FF2B5EF4-FFF2-40B4-BE49-F238E27FC236}">
+                <a16:creationId xmlns:a16="http://schemas.microsoft.com/office/drawing/2014/main" id="{B60AA0CC-7D3E-41F7-898E-2DD9A6EA62A4}"/>
+              </a:ext>
+            </a:extLst>
+          </p:cNvPr>
+          <p:cNvSpPr/>
+          <p:nvPr/>
+        </p:nvSpPr>
+        <p:spPr>
+          <a:xfrm>
+            <a:off x="6729274" y="1961965"/>
+            <a:ext cx="1500326" cy="159798"/>
+          </a:xfrm>
+          <a:prstGeom prst="rightArrow">
+            <a:avLst/>
+          </a:prstGeom>
+        </p:spPr>
+        <p:style>
+          <a:lnRef idx="2">
+            <a:schemeClr val="accent1">
+              <a:shade val="50000"/>
+            </a:schemeClr>
+          </a:lnRef>
+          <a:fillRef idx="1">
+            <a:schemeClr val="accent1"/>
+          </a:fillRef>
+          <a:effectRef idx="0">
+            <a:schemeClr val="accent1"/>
+          </a:effectRef>
+          <a:fontRef idx="minor">
+            <a:schemeClr val="lt1"/>
+          </a:fontRef>
+        </p:style>
+        <p:txBody>
+          <a:bodyPr rtlCol="0" anchor="ctr"/>
+          <a:lstStyle/>
+          <a:p>
+            <a:pPr algn="ctr"/>
+            <a:endParaRPr lang="ru-RU"/>
+          </a:p>
+        </p:txBody>
+      </p:sp>
+      <p:pic>
+        <p:nvPicPr>
+          <p:cNvPr id="4" name="Рисунок 3">
+            <a:extLst>
+              <a:ext uri="{FF2B5EF4-FFF2-40B4-BE49-F238E27FC236}">
+                <a16:creationId xmlns:a16="http://schemas.microsoft.com/office/drawing/2014/main" id="{DA7761F6-2B89-4DF9-A97A-A5951FD4B716}"/>
+              </a:ext>
+            </a:extLst>
+          </p:cNvPr>
+          <p:cNvPicPr>
+            <a:picLocks noChangeAspect="1"/>
+          </p:cNvPicPr>
+          <p:nvPr/>
+        </p:nvPicPr>
+        <p:blipFill>
+          <a:blip r:embed="rId5"/>
+          <a:stretch>
+            <a:fillRect/>
+          </a:stretch>
+        </p:blipFill>
+        <p:spPr>
+          <a:xfrm>
+            <a:off x="7972333" y="3049023"/>
+            <a:ext cx="2529554" cy="1999164"/>
+          </a:xfrm>
+          <a:prstGeom prst="rect">
+            <a:avLst/>
+          </a:prstGeom>
+        </p:spPr>
+      </p:pic>
+      <p:sp>
+        <p:nvSpPr>
+          <p:cNvPr id="6" name="Стрелка: вправо 5">
+            <a:extLst>
+              <a:ext uri="{FF2B5EF4-FFF2-40B4-BE49-F238E27FC236}">
+                <a16:creationId xmlns:a16="http://schemas.microsoft.com/office/drawing/2014/main" id="{72C44C01-BA6F-4DED-902C-D5E332DD6B24}"/>
+              </a:ext>
+            </a:extLst>
+          </p:cNvPr>
+          <p:cNvSpPr/>
+          <p:nvPr/>
+        </p:nvSpPr>
+        <p:spPr>
+          <a:xfrm>
+            <a:off x="6679291" y="4455632"/>
+            <a:ext cx="1500326" cy="159798"/>
+          </a:xfrm>
+          <a:prstGeom prst="rightArrow">
+            <a:avLst/>
+          </a:prstGeom>
+        </p:spPr>
+        <p:style>
+          <a:lnRef idx="2">
+            <a:schemeClr val="accent1">
+              <a:shade val="50000"/>
+            </a:schemeClr>
+          </a:lnRef>
+          <a:fillRef idx="1">
+            <a:schemeClr val="accent1"/>
+          </a:fillRef>
+          <a:effectRef idx="0">
+            <a:schemeClr val="accent1"/>
+          </a:effectRef>
+          <a:fontRef idx="minor">
+            <a:schemeClr val="lt1"/>
+          </a:fontRef>
+        </p:style>
+        <p:txBody>
+          <a:bodyPr rtlCol="0" anchor="ctr"/>
+          <a:lstStyle/>
+          <a:p>
+            <a:pPr algn="ctr"/>
+            <a:endParaRPr lang="ru-RU"/>
+          </a:p>
+        </p:txBody>
+      </p:sp>
+      <p:pic>
+        <p:nvPicPr>
+          <p:cNvPr id="9" name="Рисунок 8">
+            <a:extLst>
+              <a:ext uri="{FF2B5EF4-FFF2-40B4-BE49-F238E27FC236}">
+                <a16:creationId xmlns:a16="http://schemas.microsoft.com/office/drawing/2014/main" id="{EA106D1B-C1C4-48EB-9907-00B00FEEFBB4}"/>
+              </a:ext>
+            </a:extLst>
+          </p:cNvPr>
+          <p:cNvPicPr>
+            <a:picLocks noChangeAspect="1"/>
+          </p:cNvPicPr>
+          <p:nvPr/>
+        </p:nvPicPr>
+        <p:blipFill>
+          <a:blip r:embed="rId6"/>
+          <a:stretch>
+            <a:fillRect/>
+          </a:stretch>
+        </p:blipFill>
+        <p:spPr>
+          <a:xfrm>
+            <a:off x="9064744" y="5195622"/>
+            <a:ext cx="2874285" cy="1471415"/>
+          </a:xfrm>
+          <a:prstGeom prst="rect">
+            <a:avLst/>
+          </a:prstGeom>
+        </p:spPr>
+      </p:pic>
+      <p:sp>
+        <p:nvSpPr>
+          <p:cNvPr id="14" name="Стрелка: вправо 13">
+            <a:extLst>
+              <a:ext uri="{FF2B5EF4-FFF2-40B4-BE49-F238E27FC236}">
+                <a16:creationId xmlns:a16="http://schemas.microsoft.com/office/drawing/2014/main" id="{BE61B4C0-C759-4772-BE2B-D6DD57EC11B4}"/>
+              </a:ext>
+            </a:extLst>
+          </p:cNvPr>
+          <p:cNvSpPr/>
+          <p:nvPr/>
+        </p:nvSpPr>
+        <p:spPr>
+          <a:xfrm rot="3915932">
+            <a:off x="9756947" y="4237003"/>
+            <a:ext cx="2346960" cy="159798"/>
+          </a:xfrm>
+          <a:prstGeom prst="rightArrow">
+            <a:avLst/>
+          </a:prstGeom>
+        </p:spPr>
+        <p:style>
+          <a:lnRef idx="2">
+            <a:schemeClr val="accent1">
+              <a:shade val="50000"/>
+            </a:schemeClr>
+          </a:lnRef>
+          <a:fillRef idx="1">
+            <a:schemeClr val="accent1"/>
+          </a:fillRef>
+          <a:effectRef idx="0">
+            <a:schemeClr val="accent1"/>
+          </a:effectRef>
+          <a:fontRef idx="minor">
+            <a:schemeClr val="lt1"/>
+          </a:fontRef>
+        </p:style>
+        <p:txBody>
+          <a:bodyPr rtlCol="0" anchor="ctr"/>
+          <a:lstStyle/>
+          <a:p>
+            <a:pPr algn="ctr"/>
+            <a:endParaRPr lang="ru-RU"/>
+          </a:p>
+        </p:txBody>
+      </p:sp>
+      <p:pic>
+        <p:nvPicPr>
+          <p:cNvPr id="16" name="Рисунок 15">
+            <a:extLst>
+              <a:ext uri="{FF2B5EF4-FFF2-40B4-BE49-F238E27FC236}">
+                <a16:creationId xmlns:a16="http://schemas.microsoft.com/office/drawing/2014/main" id="{298CC73F-CEBC-4A1A-B33C-2C70FBFABAB8}"/>
+              </a:ext>
+            </a:extLst>
+          </p:cNvPr>
+          <p:cNvPicPr>
+            <a:picLocks noChangeAspect="1"/>
+          </p:cNvPicPr>
+          <p:nvPr/>
+        </p:nvPicPr>
+        <p:blipFill>
+          <a:blip r:embed="rId7"/>
+          <a:stretch>
+            <a:fillRect/>
+          </a:stretch>
+        </p:blipFill>
+        <p:spPr>
+          <a:xfrm>
+            <a:off x="782559" y="4818736"/>
+            <a:ext cx="3359821" cy="1794687"/>
+          </a:xfrm>
+          <a:prstGeom prst="rect">
+            <a:avLst/>
+          </a:prstGeom>
+        </p:spPr>
+      </p:pic>
+      <p:sp>
+        <p:nvSpPr>
+          <p:cNvPr id="17" name="Стрелка: вниз 16">
+            <a:extLst>
+              <a:ext uri="{FF2B5EF4-FFF2-40B4-BE49-F238E27FC236}">
+                <a16:creationId xmlns:a16="http://schemas.microsoft.com/office/drawing/2014/main" id="{C846A8FD-1066-4116-A159-D476DF670A06}"/>
+              </a:ext>
+            </a:extLst>
+          </p:cNvPr>
+          <p:cNvSpPr/>
+          <p:nvPr/>
+        </p:nvSpPr>
+        <p:spPr>
+          <a:xfrm>
+            <a:off x="3420014" y="4587643"/>
+            <a:ext cx="194553" cy="593387"/>
+          </a:xfrm>
+          <a:prstGeom prst="downArrow">
+            <a:avLst/>
+          </a:prstGeom>
+        </p:spPr>
+        <p:style>
+          <a:lnRef idx="2">
+            <a:schemeClr val="accent1">
+              <a:shade val="50000"/>
+            </a:schemeClr>
+          </a:lnRef>
+          <a:fillRef idx="1">
+            <a:schemeClr val="accent1"/>
+          </a:fillRef>
+          <a:effectRef idx="0">
+            <a:schemeClr val="accent1"/>
+          </a:effectRef>
+          <a:fontRef idx="minor">
+            <a:schemeClr val="lt1"/>
+          </a:fontRef>
+        </p:style>
+        <p:txBody>
+          <a:bodyPr rtlCol="0" anchor="ctr"/>
+          <a:lstStyle/>
+          <a:p>
+            <a:pPr algn="ctr"/>
+            <a:endParaRPr lang="ru-RU"/>
+          </a:p>
+        </p:txBody>
+      </p:sp>
+    </p:spTree>
+    <p:extLst>
+      <p:ext uri="{BB962C8B-B14F-4D97-AF65-F5344CB8AC3E}">
+        <p14:creationId xmlns:p14="http://schemas.microsoft.com/office/powerpoint/2010/main" val="1314326759"/>
+      </p:ext>
+    </p:extLst>
+  </p:cSld>
+  <p:clrMapOvr>
+    <a:masterClrMapping/>
+  </p:clrMapOvr>
+</p:sld>
+</file>
+
+<file path=ppt/slides/slide4.xml><?xml version="1.0" encoding="utf-8"?>
+<p:sld xmlns:a="http://schemas.openxmlformats.org/drawingml/2006/main" xmlns:r="http://schemas.openxmlformats.org/officeDocument/2006/relationships" xmlns:p="http://schemas.openxmlformats.org/presentationml/2006/main">
+  <p:cSld>
+    <p:spTree>
+      <p:nvGrpSpPr>
+        <p:cNvPr id="1" name=""/>
+        <p:cNvGrpSpPr/>
+        <p:nvPr/>
+      </p:nvGrpSpPr>
+      <p:grpSpPr>
+        <a:xfrm>
+          <a:off x="0" y="0"/>
+          <a:ext cx="0" cy="0"/>
+          <a:chOff x="0" y="0"/>
+          <a:chExt cx="0" cy="0"/>
+        </a:xfrm>
+      </p:grpSpPr>
+      <p:sp>
+        <p:nvSpPr>
+          <p:cNvPr id="2" name="Заголовок 1">
+            <a:extLst>
+              <a:ext uri="{FF2B5EF4-FFF2-40B4-BE49-F238E27FC236}">
+                <a16:creationId xmlns:a16="http://schemas.microsoft.com/office/drawing/2014/main" id="{BA323C6F-4559-4EDF-93FB-346D6BC86FEB}"/>
+              </a:ext>
+            </a:extLst>
+          </p:cNvPr>
+          <p:cNvSpPr>
+            <a:spLocks noGrp="1"/>
+          </p:cNvSpPr>
+          <p:nvPr>
+            <p:ph type="title"/>
+          </p:nvPr>
+        </p:nvSpPr>
+        <p:spPr/>
+        <p:txBody>
+          <a:bodyPr/>
+          <a:lstStyle/>
+          <a:p>
+            <a:r>
+              <a:rPr lang="ru-RU" dirty="0"/>
+              <a:t>Структура базы данных</a:t>
+            </a:r>
+          </a:p>
+        </p:txBody>
+      </p:sp>
+      <p:pic>
+        <p:nvPicPr>
+          <p:cNvPr id="6" name="Рисунок 5">
+            <a:extLst>
+              <a:ext uri="{FF2B5EF4-FFF2-40B4-BE49-F238E27FC236}">
+                <a16:creationId xmlns:a16="http://schemas.microsoft.com/office/drawing/2014/main" id="{FAE40996-A0EB-4405-8FBF-C3291E1378AB}"/>
+              </a:ext>
+            </a:extLst>
+          </p:cNvPr>
+          <p:cNvPicPr>
+            <a:picLocks noChangeAspect="1"/>
+          </p:cNvPicPr>
+          <p:nvPr/>
+        </p:nvPicPr>
+        <p:blipFill>
+          <a:blip r:embed="rId2"/>
+          <a:stretch>
+            <a:fillRect/>
+          </a:stretch>
+        </p:blipFill>
+        <p:spPr>
+          <a:xfrm>
+            <a:off x="3232999" y="1964227"/>
+            <a:ext cx="4772691" cy="3610479"/>
+          </a:xfrm>
+          <a:prstGeom prst="rect">
+            <a:avLst/>
+          </a:prstGeom>
+        </p:spPr>
+      </p:pic>
+      <p:sp>
+        <p:nvSpPr>
+          <p:cNvPr id="9" name="Стрелка: изогнутая вниз 8">
+            <a:extLst>
+              <a:ext uri="{FF2B5EF4-FFF2-40B4-BE49-F238E27FC236}">
+                <a16:creationId xmlns:a16="http://schemas.microsoft.com/office/drawing/2014/main" id="{5358AD6A-57B1-4808-A68C-75AADF92BD63}"/>
+              </a:ext>
+            </a:extLst>
+          </p:cNvPr>
+          <p:cNvSpPr/>
+          <p:nvPr/>
+        </p:nvSpPr>
+        <p:spPr>
+          <a:xfrm rot="14641293">
+            <a:off x="3373519" y="3034185"/>
+            <a:ext cx="2720436" cy="1182619"/>
+          </a:xfrm>
+          <a:prstGeom prst="curvedDownArrow">
+            <a:avLst/>
+          </a:prstGeom>
+        </p:spPr>
+        <p:style>
+          <a:lnRef idx="2">
+            <a:schemeClr val="accent1">
+              <a:shade val="50000"/>
+            </a:schemeClr>
+          </a:lnRef>
+          <a:fillRef idx="1">
+            <a:schemeClr val="accent1"/>
+          </a:fillRef>
+          <a:effectRef idx="0">
+            <a:schemeClr val="accent1"/>
+          </a:effectRef>
+          <a:fontRef idx="minor">
+            <a:schemeClr val="lt1"/>
+          </a:fontRef>
+        </p:style>
+        <p:txBody>
+          <a:bodyPr rtlCol="0" anchor="ctr"/>
+          <a:lstStyle/>
+          <a:p>
+            <a:pPr algn="ctr"/>
+            <a:endParaRPr lang="ru-RU">
+              <a:solidFill>
+                <a:schemeClr val="tx1"/>
+              </a:solidFill>
+            </a:endParaRPr>
+          </a:p>
+        </p:txBody>
+      </p:sp>
+      <p:sp>
+        <p:nvSpPr>
+          <p:cNvPr id="10" name="Стрелка: изогнутая вправо 9">
+            <a:extLst>
+              <a:ext uri="{FF2B5EF4-FFF2-40B4-BE49-F238E27FC236}">
+                <a16:creationId xmlns:a16="http://schemas.microsoft.com/office/drawing/2014/main" id="{6D577E3C-387B-4693-AEAD-93679B02DDE0}"/>
+              </a:ext>
+            </a:extLst>
+          </p:cNvPr>
+          <p:cNvSpPr/>
+          <p:nvPr/>
+        </p:nvSpPr>
+        <p:spPr>
+          <a:xfrm rot="12344385">
+            <a:off x="7043993" y="2352843"/>
+            <a:ext cx="887700" cy="2767667"/>
+          </a:xfrm>
+          <a:prstGeom prst="curvedRightArrow">
+            <a:avLst/>
+          </a:prstGeom>
+        </p:spPr>
+        <p:style>
+          <a:lnRef idx="2">
+            <a:schemeClr val="accent1">
+              <a:shade val="50000"/>
+            </a:schemeClr>
+          </a:lnRef>
+          <a:fillRef idx="1">
+            <a:schemeClr val="accent1"/>
+          </a:fillRef>
+          <a:effectRef idx="0">
+            <a:schemeClr val="accent1"/>
+          </a:effectRef>
+          <a:fontRef idx="minor">
+            <a:schemeClr val="lt1"/>
+          </a:fontRef>
+        </p:style>
+        <p:txBody>
+          <a:bodyPr rtlCol="0" anchor="ctr"/>
+          <a:lstStyle/>
+          <a:p>
+            <a:pPr algn="ctr"/>
+            <a:endParaRPr lang="ru-RU">
+              <a:solidFill>
+                <a:schemeClr val="tx1"/>
+              </a:solidFill>
+            </a:endParaRPr>
+          </a:p>
+        </p:txBody>
+      </p:sp>
+    </p:spTree>
+    <p:extLst>
+      <p:ext uri="{BB962C8B-B14F-4D97-AF65-F5344CB8AC3E}">
+        <p14:creationId xmlns:p14="http://schemas.microsoft.com/office/powerpoint/2010/main" val="1705515275"/>
       </p:ext>
     </p:extLst>
   </p:cSld>

--- a/Презентация проекта.pptx
+++ b/Презентация проекта.pptx
@@ -7,8 +7,9 @@
   <p:sldIdLst>
     <p:sldId id="256" r:id="rId2"/>
     <p:sldId id="257" r:id="rId3"/>
-    <p:sldId id="258" r:id="rId4"/>
-    <p:sldId id="259" r:id="rId5"/>
+    <p:sldId id="260" r:id="rId4"/>
+    <p:sldId id="258" r:id="rId5"/>
+    <p:sldId id="259" r:id="rId6"/>
   </p:sldIdLst>
   <p:sldSz cx="12192000" cy="6858000"/>
   <p:notesSz cx="6858000" cy="9144000"/>
@@ -120,35 +121,74 @@
   <pc:docChgLst>
     <pc:chgData name="is family" userId="bf32de6d1489f537" providerId="LiveId" clId="{5E2B396F-D09B-4B42-A1E3-11012A0F7E4C}"/>
     <pc:docChg chg="undo custSel addSld modSld">
-      <pc:chgData name="is family" userId="bf32de6d1489f537" providerId="LiveId" clId="{5E2B396F-D09B-4B42-A1E3-11012A0F7E4C}" dt="2021-10-31T19:26:53.041" v="162" actId="14100"/>
+      <pc:chgData name="is family" userId="bf32de6d1489f537" providerId="LiveId" clId="{5E2B396F-D09B-4B42-A1E3-11012A0F7E4C}" dt="2021-11-01T10:25:09.043" v="314" actId="20577"/>
       <pc:docMkLst>
         <pc:docMk/>
       </pc:docMkLst>
       <pc:sldChg chg="modSp mod">
-        <pc:chgData name="is family" userId="bf32de6d1489f537" providerId="LiveId" clId="{5E2B396F-D09B-4B42-A1E3-11012A0F7E4C}" dt="2021-10-31T19:08:29.458" v="23" actId="20577"/>
+        <pc:chgData name="is family" userId="bf32de6d1489f537" providerId="LiveId" clId="{5E2B396F-D09B-4B42-A1E3-11012A0F7E4C}" dt="2021-11-01T10:25:09.043" v="314" actId="20577"/>
+        <pc:sldMkLst>
+          <pc:docMk/>
+          <pc:sldMk cId="2519149250" sldId="256"/>
+        </pc:sldMkLst>
+        <pc:spChg chg="mod">
+          <ac:chgData name="is family" userId="bf32de6d1489f537" providerId="LiveId" clId="{5E2B396F-D09B-4B42-A1E3-11012A0F7E4C}" dt="2021-11-01T10:24:58.619" v="290" actId="20577"/>
+          <ac:spMkLst>
+            <pc:docMk/>
+            <pc:sldMk cId="2519149250" sldId="256"/>
+            <ac:spMk id="2" creationId="{A71D11C9-1782-4AD3-9FB9-5F31438407B0}"/>
+          </ac:spMkLst>
+        </pc:spChg>
+        <pc:spChg chg="mod">
+          <ac:chgData name="is family" userId="bf32de6d1489f537" providerId="LiveId" clId="{5E2B396F-D09B-4B42-A1E3-11012A0F7E4C}" dt="2021-11-01T10:25:09.043" v="314" actId="20577"/>
+          <ac:spMkLst>
+            <pc:docMk/>
+            <pc:sldMk cId="2519149250" sldId="256"/>
+            <ac:spMk id="3" creationId="{947A5B19-3D5A-414A-85B7-4AD4041E28D4}"/>
+          </ac:spMkLst>
+        </pc:spChg>
+      </pc:sldChg>
+      <pc:sldChg chg="addSp delSp modSp mod">
+        <pc:chgData name="is family" userId="bf32de6d1489f537" providerId="LiveId" clId="{5E2B396F-D09B-4B42-A1E3-11012A0F7E4C}" dt="2021-11-01T10:22:44.175" v="279" actId="20577"/>
         <pc:sldMkLst>
           <pc:docMk/>
           <pc:sldMk cId="1668016707" sldId="257"/>
         </pc:sldMkLst>
         <pc:spChg chg="mod">
-          <ac:chgData name="is family" userId="bf32de6d1489f537" providerId="LiveId" clId="{5E2B396F-D09B-4B42-A1E3-11012A0F7E4C}" dt="2021-10-31T19:08:29.458" v="23" actId="20577"/>
+          <ac:chgData name="is family" userId="bf32de6d1489f537" providerId="LiveId" clId="{5E2B396F-D09B-4B42-A1E3-11012A0F7E4C}" dt="2021-11-01T10:21:53.993" v="260" actId="20577"/>
           <ac:spMkLst>
             <pc:docMk/>
             <pc:sldMk cId="1668016707" sldId="257"/>
             <ac:spMk id="2" creationId="{C8DE0CA6-86AF-4722-933B-5108D004722A}"/>
           </ac:spMkLst>
         </pc:spChg>
-        <pc:spChg chg="mod">
-          <ac:chgData name="is family" userId="bf32de6d1489f537" providerId="LiveId" clId="{5E2B396F-D09B-4B42-A1E3-11012A0F7E4C}" dt="2021-10-31T19:08:02.620" v="3" actId="20577"/>
+        <pc:spChg chg="del mod">
+          <ac:chgData name="is family" userId="bf32de6d1489f537" providerId="LiveId" clId="{5E2B396F-D09B-4B42-A1E3-11012A0F7E4C}" dt="2021-11-01T09:56:00.845" v="163"/>
           <ac:spMkLst>
             <pc:docMk/>
             <pc:sldMk cId="1668016707" sldId="257"/>
             <ac:spMk id="3" creationId="{25121BA8-DDDE-4623-B61C-D8A989B076E2}"/>
           </ac:spMkLst>
         </pc:spChg>
+        <pc:spChg chg="add mod">
+          <ac:chgData name="is family" userId="bf32de6d1489f537" providerId="LiveId" clId="{5E2B396F-D09B-4B42-A1E3-11012A0F7E4C}" dt="2021-11-01T10:22:44.175" v="279" actId="20577"/>
+          <ac:spMkLst>
+            <pc:docMk/>
+            <pc:sldMk cId="1668016707" sldId="257"/>
+            <ac:spMk id="6" creationId="{B53260A8-100B-4EE4-8D71-5132EE31D7F3}"/>
+          </ac:spMkLst>
+        </pc:spChg>
+        <pc:picChg chg="add del mod">
+          <ac:chgData name="is family" userId="bf32de6d1489f537" providerId="LiveId" clId="{5E2B396F-D09B-4B42-A1E3-11012A0F7E4C}" dt="2021-11-01T10:16:52.327" v="241" actId="21"/>
+          <ac:picMkLst>
+            <pc:docMk/>
+            <pc:sldMk cId="1668016707" sldId="257"/>
+            <ac:picMk id="4" creationId="{77F919DB-435B-4691-89C5-C31AFBD10393}"/>
+          </ac:picMkLst>
+        </pc:picChg>
       </pc:sldChg>
       <pc:sldChg chg="addSp delSp modSp new mod">
-        <pc:chgData name="is family" userId="bf32de6d1489f537" providerId="LiveId" clId="{5E2B396F-D09B-4B42-A1E3-11012A0F7E4C}" dt="2021-10-31T19:19:46.834" v="130" actId="1076"/>
+        <pc:chgData name="is family" userId="bf32de6d1489f537" providerId="LiveId" clId="{5E2B396F-D09B-4B42-A1E3-11012A0F7E4C}" dt="2021-11-01T10:16:44.044" v="240" actId="11529"/>
         <pc:sldMkLst>
           <pc:docMk/>
           <pc:sldMk cId="1314326759" sldId="258"/>
@@ -169,16 +209,16 @@
             <ac:spMk id="3" creationId="{5D192203-6569-4BA3-B5C7-FEFB22E5B795}"/>
           </ac:spMkLst>
         </pc:spChg>
-        <pc:spChg chg="add mod">
-          <ac:chgData name="is family" userId="bf32de6d1489f537" providerId="LiveId" clId="{5E2B396F-D09B-4B42-A1E3-11012A0F7E4C}" dt="2021-10-31T19:17:16.708" v="109" actId="1076"/>
+        <pc:spChg chg="add del mod">
+          <ac:chgData name="is family" userId="bf32de6d1489f537" providerId="LiveId" clId="{5E2B396F-D09B-4B42-A1E3-11012A0F7E4C}" dt="2021-11-01T10:10:57.064" v="205" actId="21"/>
           <ac:spMkLst>
             <pc:docMk/>
             <pc:sldMk cId="1314326759" sldId="258"/>
             <ac:spMk id="6" creationId="{72C44C01-BA6F-4DED-902C-D5E332DD6B24}"/>
           </ac:spMkLst>
         </pc:spChg>
-        <pc:spChg chg="add mod">
-          <ac:chgData name="is family" userId="bf32de6d1489f537" providerId="LiveId" clId="{5E2B396F-D09B-4B42-A1E3-11012A0F7E4C}" dt="2021-10-31T19:14:30.267" v="96" actId="1076"/>
+        <pc:spChg chg="add del mod">
+          <ac:chgData name="is family" userId="bf32de6d1489f537" providerId="LiveId" clId="{5E2B396F-D09B-4B42-A1E3-11012A0F7E4C}" dt="2021-11-01T10:02:33.831" v="186" actId="21"/>
           <ac:spMkLst>
             <pc:docMk/>
             <pc:sldMk cId="1314326759" sldId="258"/>
@@ -193,48 +233,96 @@
             <ac:spMk id="11" creationId="{50CBF7BE-466F-4EAE-9109-B0A37CD85B1D}"/>
           </ac:spMkLst>
         </pc:spChg>
-        <pc:spChg chg="add mod">
-          <ac:chgData name="is family" userId="bf32de6d1489f537" providerId="LiveId" clId="{5E2B396F-D09B-4B42-A1E3-11012A0F7E4C}" dt="2021-10-31T19:15:04.316" v="101" actId="1076"/>
+        <pc:spChg chg="add del mod">
+          <ac:chgData name="is family" userId="bf32de6d1489f537" providerId="LiveId" clId="{5E2B396F-D09B-4B42-A1E3-11012A0F7E4C}" dt="2021-11-01T10:09:37.851" v="192" actId="21"/>
           <ac:spMkLst>
             <pc:docMk/>
             <pc:sldMk cId="1314326759" sldId="258"/>
             <ac:spMk id="13" creationId="{B60AA0CC-7D3E-41F7-898E-2DD9A6EA62A4}"/>
           </ac:spMkLst>
         </pc:spChg>
-        <pc:spChg chg="add mod">
-          <ac:chgData name="is family" userId="bf32de6d1489f537" providerId="LiveId" clId="{5E2B396F-D09B-4B42-A1E3-11012A0F7E4C}" dt="2021-10-31T19:18:54.350" v="121" actId="1076"/>
+        <pc:spChg chg="add del mod">
+          <ac:chgData name="is family" userId="bf32de6d1489f537" providerId="LiveId" clId="{5E2B396F-D09B-4B42-A1E3-11012A0F7E4C}" dt="2021-11-01T10:09:41.258" v="193" actId="21"/>
           <ac:spMkLst>
             <pc:docMk/>
             <pc:sldMk cId="1314326759" sldId="258"/>
             <ac:spMk id="14" creationId="{BE61B4C0-C759-4772-BE2B-D6DD57EC11B4}"/>
           </ac:spMkLst>
         </pc:spChg>
-        <pc:spChg chg="add mod">
-          <ac:chgData name="is family" userId="bf32de6d1489f537" providerId="LiveId" clId="{5E2B396F-D09B-4B42-A1E3-11012A0F7E4C}" dt="2021-10-31T19:19:46.834" v="130" actId="1076"/>
+        <pc:spChg chg="add del mod">
+          <ac:chgData name="is family" userId="bf32de6d1489f537" providerId="LiveId" clId="{5E2B396F-D09B-4B42-A1E3-11012A0F7E4C}" dt="2021-11-01T10:02:46.545" v="187" actId="21"/>
           <ac:spMkLst>
             <pc:docMk/>
             <pc:sldMk cId="1314326759" sldId="258"/>
             <ac:spMk id="17" creationId="{C846A8FD-1066-4116-A159-D476DF670A06}"/>
           </ac:spMkLst>
         </pc:spChg>
-        <pc:picChg chg="add mod">
-          <ac:chgData name="is family" userId="bf32de6d1489f537" providerId="LiveId" clId="{5E2B396F-D09B-4B42-A1E3-11012A0F7E4C}" dt="2021-10-31T19:16:58.197" v="107" actId="1076"/>
+        <pc:spChg chg="add mod">
+          <ac:chgData name="is family" userId="bf32de6d1489f537" providerId="LiveId" clId="{5E2B396F-D09B-4B42-A1E3-11012A0F7E4C}" dt="2021-11-01T10:14:39.703" v="220" actId="1076"/>
+          <ac:spMkLst>
+            <pc:docMk/>
+            <pc:sldMk cId="1314326759" sldId="258"/>
+            <ac:spMk id="26" creationId="{DAC8979B-721C-4BC9-B97A-17C22E6AFA09}"/>
+          </ac:spMkLst>
+        </pc:spChg>
+        <pc:spChg chg="add mod">
+          <ac:chgData name="is family" userId="bf32de6d1489f537" providerId="LiveId" clId="{5E2B396F-D09B-4B42-A1E3-11012A0F7E4C}" dt="2021-11-01T10:15:00.903" v="223" actId="1076"/>
+          <ac:spMkLst>
+            <pc:docMk/>
+            <pc:sldMk cId="1314326759" sldId="258"/>
+            <ac:spMk id="27" creationId="{39E7E65D-7BC7-4267-BE97-0056F083D85D}"/>
+          </ac:spMkLst>
+        </pc:spChg>
+        <pc:spChg chg="add mod">
+          <ac:chgData name="is family" userId="bf32de6d1489f537" providerId="LiveId" clId="{5E2B396F-D09B-4B42-A1E3-11012A0F7E4C}" dt="2021-11-01T10:15:18.335" v="227" actId="1076"/>
+          <ac:spMkLst>
+            <pc:docMk/>
+            <pc:sldMk cId="1314326759" sldId="258"/>
+            <ac:spMk id="28" creationId="{501550B7-4B4C-4243-8BDD-44AAD6E42AC4}"/>
+          </ac:spMkLst>
+        </pc:spChg>
+        <pc:spChg chg="add del">
+          <ac:chgData name="is family" userId="bf32de6d1489f537" providerId="LiveId" clId="{5E2B396F-D09B-4B42-A1E3-11012A0F7E4C}" dt="2021-11-01T10:15:32.179" v="229" actId="478"/>
+          <ac:spMkLst>
+            <pc:docMk/>
+            <pc:sldMk cId="1314326759" sldId="258"/>
+            <ac:spMk id="29" creationId="{53389650-7697-4551-A76D-A10BA93D6E03}"/>
+          </ac:spMkLst>
+        </pc:spChg>
+        <pc:spChg chg="add mod">
+          <ac:chgData name="is family" userId="bf32de6d1489f537" providerId="LiveId" clId="{5E2B396F-D09B-4B42-A1E3-11012A0F7E4C}" dt="2021-11-01T10:16:31.958" v="239" actId="1076"/>
+          <ac:spMkLst>
+            <pc:docMk/>
+            <pc:sldMk cId="1314326759" sldId="258"/>
+            <ac:spMk id="30" creationId="{A48BB433-BBC4-4730-B5E6-831DB1A3FA4E}"/>
+          </ac:spMkLst>
+        </pc:spChg>
+        <pc:spChg chg="add">
+          <ac:chgData name="is family" userId="bf32de6d1489f537" providerId="LiveId" clId="{5E2B396F-D09B-4B42-A1E3-11012A0F7E4C}" dt="2021-11-01T10:16:44.044" v="240" actId="11529"/>
+          <ac:spMkLst>
+            <pc:docMk/>
+            <pc:sldMk cId="1314326759" sldId="258"/>
+            <ac:spMk id="31" creationId="{236536A1-EBCC-4A39-B754-4453CFD9405A}"/>
+          </ac:spMkLst>
+        </pc:spChg>
+        <pc:picChg chg="add del mod">
+          <ac:chgData name="is family" userId="bf32de6d1489f537" providerId="LiveId" clId="{5E2B396F-D09B-4B42-A1E3-11012A0F7E4C}" dt="2021-11-01T10:09:32.021" v="190" actId="21"/>
           <ac:picMkLst>
             <pc:docMk/>
             <pc:sldMk cId="1314326759" sldId="258"/>
             <ac:picMk id="4" creationId="{DA7761F6-2B89-4DF9-A97A-A5951FD4B716}"/>
           </ac:picMkLst>
         </pc:picChg>
-        <pc:picChg chg="add mod">
-          <ac:chgData name="is family" userId="bf32de6d1489f537" providerId="LiveId" clId="{5E2B396F-D09B-4B42-A1E3-11012A0F7E4C}" dt="2021-10-31T19:13:40.851" v="89" actId="1076"/>
+        <pc:picChg chg="add del mod">
+          <ac:chgData name="is family" userId="bf32de6d1489f537" providerId="LiveId" clId="{5E2B396F-D09B-4B42-A1E3-11012A0F7E4C}" dt="2021-11-01T10:02:29.942" v="185" actId="21"/>
           <ac:picMkLst>
             <pc:docMk/>
             <pc:sldMk cId="1314326759" sldId="258"/>
             <ac:picMk id="5" creationId="{2FCDADD2-F9E6-411D-AD49-2432D056B6B3}"/>
           </ac:picMkLst>
         </pc:picChg>
-        <pc:picChg chg="add mod">
-          <ac:chgData name="is family" userId="bf32de6d1489f537" providerId="LiveId" clId="{5E2B396F-D09B-4B42-A1E3-11012A0F7E4C}" dt="2021-10-31T19:13:55.796" v="92" actId="1076"/>
+        <pc:picChg chg="add del mod">
+          <ac:chgData name="is family" userId="bf32de6d1489f537" providerId="LiveId" clId="{5E2B396F-D09B-4B42-A1E3-11012A0F7E4C}" dt="2021-11-01T09:57:23.684" v="164" actId="478"/>
           <ac:picMkLst>
             <pc:docMk/>
             <pc:sldMk cId="1314326759" sldId="258"/>
@@ -242,19 +330,35 @@
           </ac:picMkLst>
         </pc:picChg>
         <pc:picChg chg="add mod">
-          <ac:chgData name="is family" userId="bf32de6d1489f537" providerId="LiveId" clId="{5E2B396F-D09B-4B42-A1E3-11012A0F7E4C}" dt="2021-10-31T19:17:43.345" v="112" actId="1076"/>
+          <ac:chgData name="is family" userId="bf32de6d1489f537" providerId="LiveId" clId="{5E2B396F-D09B-4B42-A1E3-11012A0F7E4C}" dt="2021-11-01T10:01:19.856" v="175" actId="1076"/>
+          <ac:picMkLst>
+            <pc:docMk/>
+            <pc:sldMk cId="1314326759" sldId="258"/>
+            <ac:picMk id="8" creationId="{3B7B552A-5B45-4DB6-BFC6-FE27033AF475}"/>
+          </ac:picMkLst>
+        </pc:picChg>
+        <pc:picChg chg="add mod">
+          <ac:chgData name="is family" userId="bf32de6d1489f537" providerId="LiveId" clId="{5E2B396F-D09B-4B42-A1E3-11012A0F7E4C}" dt="2021-11-01T10:15:44.855" v="231" actId="1076"/>
           <ac:picMkLst>
             <pc:docMk/>
             <pc:sldMk cId="1314326759" sldId="258"/>
             <ac:picMk id="9" creationId="{EA106D1B-C1C4-48EB-9907-00B00FEEFBB4}"/>
           </ac:picMkLst>
         </pc:picChg>
-        <pc:picChg chg="add mod">
-          <ac:chgData name="is family" userId="bf32de6d1489f537" providerId="LiveId" clId="{5E2B396F-D09B-4B42-A1E3-11012A0F7E4C}" dt="2021-10-31T19:14:51.659" v="99" actId="1076"/>
+        <pc:picChg chg="add del mod">
+          <ac:chgData name="is family" userId="bf32de6d1489f537" providerId="LiveId" clId="{5E2B396F-D09B-4B42-A1E3-11012A0F7E4C}" dt="2021-11-01T10:10:42.990" v="200" actId="21"/>
           <ac:picMkLst>
             <pc:docMk/>
             <pc:sldMk cId="1314326759" sldId="258"/>
             <ac:picMk id="12" creationId="{EA732212-FBDF-4850-835B-F2259F02E5A1}"/>
+          </ac:picMkLst>
+        </pc:picChg>
+        <pc:picChg chg="add mod">
+          <ac:chgData name="is family" userId="bf32de6d1489f537" providerId="LiveId" clId="{5E2B396F-D09B-4B42-A1E3-11012A0F7E4C}" dt="2021-11-01T10:02:27.540" v="184" actId="1076"/>
+          <ac:picMkLst>
+            <pc:docMk/>
+            <pc:sldMk cId="1314326759" sldId="258"/>
+            <ac:picMk id="15" creationId="{3CAE2112-9AA8-439E-B6E7-07302BA030A0}"/>
           </ac:picMkLst>
         </pc:picChg>
         <pc:picChg chg="add mod">
@@ -263,6 +367,46 @@
             <pc:docMk/>
             <pc:sldMk cId="1314326759" sldId="258"/>
             <ac:picMk id="16" creationId="{298CC73F-CEBC-4A1A-B33C-2C70FBFABAB8}"/>
+          </ac:picMkLst>
+        </pc:picChg>
+        <pc:picChg chg="add mod">
+          <ac:chgData name="is family" userId="bf32de6d1489f537" providerId="LiveId" clId="{5E2B396F-D09B-4B42-A1E3-11012A0F7E4C}" dt="2021-11-01T10:10:53.744" v="204" actId="1076"/>
+          <ac:picMkLst>
+            <pc:docMk/>
+            <pc:sldMk cId="1314326759" sldId="258"/>
+            <ac:picMk id="19" creationId="{5BC6358D-00B2-4EF6-9121-6CE870851F42}"/>
+          </ac:picMkLst>
+        </pc:picChg>
+        <pc:picChg chg="add del mod">
+          <ac:chgData name="is family" userId="bf32de6d1489f537" providerId="LiveId" clId="{5E2B396F-D09B-4B42-A1E3-11012A0F7E4C}" dt="2021-11-01T10:12:24.991" v="206" actId="21"/>
+          <ac:picMkLst>
+            <pc:docMk/>
+            <pc:sldMk cId="1314326759" sldId="258"/>
+            <ac:picMk id="21" creationId="{774DD35A-803B-4F95-BF7F-327C11326045}"/>
+          </ac:picMkLst>
+        </pc:picChg>
+        <pc:picChg chg="add del mod">
+          <ac:chgData name="is family" userId="bf32de6d1489f537" providerId="LiveId" clId="{5E2B396F-D09B-4B42-A1E3-11012A0F7E4C}" dt="2021-11-01T10:12:32.466" v="208" actId="478"/>
+          <ac:picMkLst>
+            <pc:docMk/>
+            <pc:sldMk cId="1314326759" sldId="258"/>
+            <ac:picMk id="22" creationId="{E9889854-B496-4986-8A47-96332F479B9F}"/>
+          </ac:picMkLst>
+        </pc:picChg>
+        <pc:picChg chg="add del mod">
+          <ac:chgData name="is family" userId="bf32de6d1489f537" providerId="LiveId" clId="{5E2B396F-D09B-4B42-A1E3-11012A0F7E4C}" dt="2021-11-01T10:13:02.784" v="213" actId="21"/>
+          <ac:picMkLst>
+            <pc:docMk/>
+            <pc:sldMk cId="1314326759" sldId="258"/>
+            <ac:picMk id="24" creationId="{67B8FCEE-5B6F-46ED-B4CF-195C242DDAA9}"/>
+          </ac:picMkLst>
+        </pc:picChg>
+        <pc:picChg chg="add mod">
+          <ac:chgData name="is family" userId="bf32de6d1489f537" providerId="LiveId" clId="{5E2B396F-D09B-4B42-A1E3-11012A0F7E4C}" dt="2021-11-01T10:13:27.422" v="216" actId="1076"/>
+          <ac:picMkLst>
+            <pc:docMk/>
+            <pc:sldMk cId="1314326759" sldId="258"/>
+            <ac:picMk id="25" creationId="{8D21F23E-DF76-41CE-9DB4-B510AAD522D7}"/>
           </ac:picMkLst>
         </pc:picChg>
         <pc:cxnChg chg="add del">
@@ -337,6 +481,29 @@
           </ac:cxnSpMkLst>
         </pc:cxnChg>
       </pc:sldChg>
+      <pc:sldChg chg="modSp new mod">
+        <pc:chgData name="is family" userId="bf32de6d1489f537" providerId="LiveId" clId="{5E2B396F-D09B-4B42-A1E3-11012A0F7E4C}" dt="2021-11-01T10:21:40.175" v="257" actId="20577"/>
+        <pc:sldMkLst>
+          <pc:docMk/>
+          <pc:sldMk cId="3652132493" sldId="260"/>
+        </pc:sldMkLst>
+        <pc:spChg chg="mod">
+          <ac:chgData name="is family" userId="bf32de6d1489f537" providerId="LiveId" clId="{5E2B396F-D09B-4B42-A1E3-11012A0F7E4C}" dt="2021-11-01T10:21:40.175" v="257" actId="20577"/>
+          <ac:spMkLst>
+            <pc:docMk/>
+            <pc:sldMk cId="3652132493" sldId="260"/>
+            <ac:spMk id="2" creationId="{A4272332-BCE9-4158-A06F-1C3C851950AD}"/>
+          </ac:spMkLst>
+        </pc:spChg>
+        <pc:spChg chg="mod">
+          <ac:chgData name="is family" userId="bf32de6d1489f537" providerId="LiveId" clId="{5E2B396F-D09B-4B42-A1E3-11012A0F7E4C}" dt="2021-11-01T10:21:18.641" v="254" actId="5793"/>
+          <ac:spMkLst>
+            <pc:docMk/>
+            <pc:sldMk cId="3652132493" sldId="260"/>
+            <ac:spMk id="3" creationId="{E237A593-DDD9-4D20-95B0-71BCEEF77454}"/>
+          </ac:spMkLst>
+        </pc:spChg>
+      </pc:sldChg>
     </pc:docChg>
   </pc:docChgLst>
 </pc:chgInfo>
@@ -489,7 +656,7 @@
           <a:p>
             <a:fld id="{45769B78-DC0D-4B30-8EC8-5A5945251B7E}" type="datetimeFigureOut">
               <a:rPr lang="ru-RU" smtClean="0"/>
-              <a:t>31.10.2021</a:t>
+              <a:t>01.11.2021</a:t>
             </a:fld>
             <a:endParaRPr lang="ru-RU"/>
           </a:p>
@@ -687,7 +854,7 @@
           <a:p>
             <a:fld id="{45769B78-DC0D-4B30-8EC8-5A5945251B7E}" type="datetimeFigureOut">
               <a:rPr lang="ru-RU" smtClean="0"/>
-              <a:t>31.10.2021</a:t>
+              <a:t>01.11.2021</a:t>
             </a:fld>
             <a:endParaRPr lang="ru-RU"/>
           </a:p>
@@ -895,7 +1062,7 @@
           <a:p>
             <a:fld id="{45769B78-DC0D-4B30-8EC8-5A5945251B7E}" type="datetimeFigureOut">
               <a:rPr lang="ru-RU" smtClean="0"/>
-              <a:t>31.10.2021</a:t>
+              <a:t>01.11.2021</a:t>
             </a:fld>
             <a:endParaRPr lang="ru-RU"/>
           </a:p>
@@ -1093,7 +1260,7 @@
           <a:p>
             <a:fld id="{45769B78-DC0D-4B30-8EC8-5A5945251B7E}" type="datetimeFigureOut">
               <a:rPr lang="ru-RU" smtClean="0"/>
-              <a:t>31.10.2021</a:t>
+              <a:t>01.11.2021</a:t>
             </a:fld>
             <a:endParaRPr lang="ru-RU"/>
           </a:p>
@@ -1368,7 +1535,7 @@
           <a:p>
             <a:fld id="{45769B78-DC0D-4B30-8EC8-5A5945251B7E}" type="datetimeFigureOut">
               <a:rPr lang="ru-RU" smtClean="0"/>
-              <a:t>31.10.2021</a:t>
+              <a:t>01.11.2021</a:t>
             </a:fld>
             <a:endParaRPr lang="ru-RU"/>
           </a:p>
@@ -1633,7 +1800,7 @@
           <a:p>
             <a:fld id="{45769B78-DC0D-4B30-8EC8-5A5945251B7E}" type="datetimeFigureOut">
               <a:rPr lang="ru-RU" smtClean="0"/>
-              <a:t>31.10.2021</a:t>
+              <a:t>01.11.2021</a:t>
             </a:fld>
             <a:endParaRPr lang="ru-RU"/>
           </a:p>
@@ -2045,7 +2212,7 @@
           <a:p>
             <a:fld id="{45769B78-DC0D-4B30-8EC8-5A5945251B7E}" type="datetimeFigureOut">
               <a:rPr lang="ru-RU" smtClean="0"/>
-              <a:t>31.10.2021</a:t>
+              <a:t>01.11.2021</a:t>
             </a:fld>
             <a:endParaRPr lang="ru-RU"/>
           </a:p>
@@ -2186,7 +2353,7 @@
           <a:p>
             <a:fld id="{45769B78-DC0D-4B30-8EC8-5A5945251B7E}" type="datetimeFigureOut">
               <a:rPr lang="ru-RU" smtClean="0"/>
-              <a:t>31.10.2021</a:t>
+              <a:t>01.11.2021</a:t>
             </a:fld>
             <a:endParaRPr lang="ru-RU"/>
           </a:p>
@@ -2299,7 +2466,7 @@
           <a:p>
             <a:fld id="{45769B78-DC0D-4B30-8EC8-5A5945251B7E}" type="datetimeFigureOut">
               <a:rPr lang="ru-RU" smtClean="0"/>
-              <a:t>31.10.2021</a:t>
+              <a:t>01.11.2021</a:t>
             </a:fld>
             <a:endParaRPr lang="ru-RU"/>
           </a:p>
@@ -2610,7 +2777,7 @@
           <a:p>
             <a:fld id="{45769B78-DC0D-4B30-8EC8-5A5945251B7E}" type="datetimeFigureOut">
               <a:rPr lang="ru-RU" smtClean="0"/>
-              <a:t>31.10.2021</a:t>
+              <a:t>01.11.2021</a:t>
             </a:fld>
             <a:endParaRPr lang="ru-RU"/>
           </a:p>
@@ -2898,7 +3065,7 @@
           <a:p>
             <a:fld id="{45769B78-DC0D-4B30-8EC8-5A5945251B7E}" type="datetimeFigureOut">
               <a:rPr lang="ru-RU" smtClean="0"/>
-              <a:t>31.10.2021</a:t>
+              <a:t>01.11.2021</a:t>
             </a:fld>
             <a:endParaRPr lang="ru-RU"/>
           </a:p>
@@ -3139,7 +3306,7 @@
           <a:p>
             <a:fld id="{45769B78-DC0D-4B30-8EC8-5A5945251B7E}" type="datetimeFigureOut">
               <a:rPr lang="ru-RU" smtClean="0"/>
-              <a:t>31.10.2021</a:t>
+              <a:t>01.11.2021</a:t>
             </a:fld>
             <a:endParaRPr lang="ru-RU"/>
           </a:p>
@@ -3577,7 +3744,11 @@
           <a:bodyPr/>
           <a:lstStyle/>
           <a:p>
-            <a:endParaRPr lang="ru-RU"/>
+            <a:r>
+              <a:rPr lang="en-US" dirty="0"/>
+              <a:t>librarian</a:t>
+            </a:r>
+            <a:endParaRPr lang="ru-RU" dirty="0"/>
           </a:p>
         </p:txBody>
       </p:sp>
@@ -3602,7 +3773,10 @@
           <a:bodyPr/>
           <a:lstStyle/>
           <a:p>
-            <a:endParaRPr lang="ru-RU"/>
+            <a:r>
+              <a:rPr lang="ru-RU"/>
+              <a:t>Выполнила Исакова София</a:t>
+            </a:r>
           </a:p>
         </p:txBody>
       </p:sp>
@@ -3658,18 +3832,28 @@
           <a:lstStyle/>
           <a:p>
             <a:r>
-              <a:rPr lang="ru-RU" dirty="0"/>
-              <a:t>Актуальность проекта</a:t>
-            </a:r>
-          </a:p>
-        </p:txBody>
-      </p:sp>
-      <p:sp>
-        <p:nvSpPr>
-          <p:cNvPr id="3" name="Объект 2">
-            <a:extLst>
-              <a:ext uri="{FF2B5EF4-FFF2-40B4-BE49-F238E27FC236}">
-                <a16:creationId xmlns:a16="http://schemas.microsoft.com/office/drawing/2014/main" id="{25121BA8-DDDE-4623-B61C-D8A989B076E2}"/>
+              <a:rPr lang="ru-RU" b="1" i="0" dirty="0">
+                <a:solidFill>
+                  <a:schemeClr val="tx1">
+                    <a:lumMod val="95000"/>
+                    <a:lumOff val="5000"/>
+                  </a:schemeClr>
+                </a:solidFill>
+                <a:effectLst/>
+                <a:latin typeface="Helvetica" panose="020B0604020202020204" pitchFamily="34" charset="0"/>
+              </a:rPr>
+              <a:t>Проблемы:</a:t>
+            </a:r>
+            <a:endParaRPr lang="ru-RU" dirty="0"/>
+          </a:p>
+        </p:txBody>
+      </p:sp>
+      <p:sp>
+        <p:nvSpPr>
+          <p:cNvPr id="6" name="Объект 5">
+            <a:extLst>
+              <a:ext uri="{FF2B5EF4-FFF2-40B4-BE49-F238E27FC236}">
+                <a16:creationId xmlns:a16="http://schemas.microsoft.com/office/drawing/2014/main" id="{B53260A8-100B-4EE4-8D71-5132EE31D7F3}"/>
               </a:ext>
             </a:extLst>
           </p:cNvPr>
@@ -3684,6 +3868,101 @@
         <p:txBody>
           <a:bodyPr/>
           <a:lstStyle/>
+          <a:p>
+            <a:pPr marL="514350" indent="-514350" algn="l">
+              <a:buFont typeface="+mj-lt"/>
+              <a:buAutoNum type="arabicPeriod"/>
+            </a:pPr>
+            <a:r>
+              <a:rPr lang="ru-RU" b="0" i="0" dirty="0">
+                <a:solidFill>
+                  <a:schemeClr val="tx1">
+                    <a:lumMod val="95000"/>
+                    <a:lumOff val="5000"/>
+                  </a:schemeClr>
+                </a:solidFill>
+                <a:effectLst/>
+                <a:latin typeface="Helvetica" panose="020B0604020202020204" pitchFamily="34" charset="0"/>
+              </a:rPr>
+              <a:t>Поиск нужной книги занимает долгое время.</a:t>
+            </a:r>
+          </a:p>
+          <a:p>
+            <a:pPr algn="l">
+              <a:buFont typeface="+mj-lt"/>
+              <a:buAutoNum type="arabicPeriod"/>
+            </a:pPr>
+            <a:r>
+              <a:rPr lang="ru-RU" b="0" i="0" dirty="0">
+                <a:solidFill>
+                  <a:schemeClr val="tx1">
+                    <a:lumMod val="95000"/>
+                    <a:lumOff val="5000"/>
+                  </a:schemeClr>
+                </a:solidFill>
+                <a:effectLst/>
+                <a:latin typeface="Helvetica" panose="020B0604020202020204" pitchFamily="34" charset="0"/>
+              </a:rPr>
+              <a:t>  Поиск бумажной карточки читателя занимает долгое время.</a:t>
+            </a:r>
+          </a:p>
+          <a:p>
+            <a:pPr algn="l">
+              <a:buFont typeface="+mj-lt"/>
+              <a:buAutoNum type="arabicPeriod"/>
+            </a:pPr>
+            <a:r>
+              <a:rPr lang="ru-RU" b="0" i="0" dirty="0">
+                <a:solidFill>
+                  <a:schemeClr val="tx1">
+                    <a:lumMod val="95000"/>
+                    <a:lumOff val="5000"/>
+                  </a:schemeClr>
+                </a:solidFill>
+                <a:effectLst/>
+                <a:latin typeface="Helvetica" panose="020B0604020202020204" pitchFamily="34" charset="0"/>
+              </a:rPr>
+              <a:t>  Оформление выдачи книги читателю требует ручной работы.</a:t>
+            </a:r>
+          </a:p>
+          <a:p>
+            <a:pPr algn="l">
+              <a:buFont typeface="+mj-lt"/>
+              <a:buAutoNum type="arabicPeriod"/>
+            </a:pPr>
+            <a:r>
+              <a:rPr lang="ru-RU" b="0" i="0" dirty="0">
+                <a:solidFill>
+                  <a:schemeClr val="tx1">
+                    <a:lumMod val="95000"/>
+                    <a:lumOff val="5000"/>
+                  </a:schemeClr>
+                </a:solidFill>
+                <a:effectLst/>
+                <a:latin typeface="Helvetica" panose="020B0604020202020204" pitchFamily="34" charset="0"/>
+              </a:rPr>
+              <a:t>  Сложно контролировать сроки сдачи книг.</a:t>
+            </a:r>
+          </a:p>
+          <a:p>
+            <a:pPr algn="l">
+              <a:buFont typeface="+mj-lt"/>
+              <a:buAutoNum type="arabicPeriod"/>
+            </a:pPr>
+            <a:r>
+              <a:rPr lang="ru-RU" b="0" i="0" dirty="0">
+                <a:solidFill>
+                  <a:schemeClr val="tx1">
+                    <a:lumMod val="95000"/>
+                    <a:lumOff val="5000"/>
+                  </a:schemeClr>
+                </a:solidFill>
+                <a:effectLst/>
+                <a:latin typeface="Helvetica" panose="020B0604020202020204" pitchFamily="34" charset="0"/>
+              </a:rPr>
+              <a:t>  Трудно вести ручной учёт выданных/оставшихся книг.</a:t>
+            </a:r>
+          </a:p>
           <a:p>
             <a:endParaRPr lang="ru-RU" dirty="0"/>
           </a:p>
@@ -3724,6 +4003,141 @@
           <p:cNvPr id="2" name="Заголовок 1">
             <a:extLst>
               <a:ext uri="{FF2B5EF4-FFF2-40B4-BE49-F238E27FC236}">
+                <a16:creationId xmlns:a16="http://schemas.microsoft.com/office/drawing/2014/main" id="{A4272332-BCE9-4158-A06F-1C3C851950AD}"/>
+              </a:ext>
+            </a:extLst>
+          </p:cNvPr>
+          <p:cNvSpPr>
+            <a:spLocks noGrp="1"/>
+          </p:cNvSpPr>
+          <p:nvPr>
+            <p:ph type="title"/>
+          </p:nvPr>
+        </p:nvSpPr>
+        <p:spPr/>
+        <p:txBody>
+          <a:bodyPr/>
+          <a:lstStyle/>
+          <a:p>
+            <a:r>
+              <a:rPr lang="ru-RU" dirty="0">
+                <a:latin typeface="Helvetica" panose="020B0604020202020204" pitchFamily="34" charset="0"/>
+                <a:cs typeface="Helvetica" panose="020B0604020202020204" pitchFamily="34" charset="0"/>
+              </a:rPr>
+              <a:t>Цель</a:t>
+            </a:r>
+          </a:p>
+        </p:txBody>
+      </p:sp>
+      <p:sp>
+        <p:nvSpPr>
+          <p:cNvPr id="3" name="Объект 2">
+            <a:extLst>
+              <a:ext uri="{FF2B5EF4-FFF2-40B4-BE49-F238E27FC236}">
+                <a16:creationId xmlns:a16="http://schemas.microsoft.com/office/drawing/2014/main" id="{E237A593-DDD9-4D20-95B0-71BCEEF77454}"/>
+              </a:ext>
+            </a:extLst>
+          </p:cNvPr>
+          <p:cNvSpPr>
+            <a:spLocks noGrp="1"/>
+          </p:cNvSpPr>
+          <p:nvPr>
+            <p:ph idx="1"/>
+          </p:nvPr>
+        </p:nvSpPr>
+        <p:spPr/>
+        <p:txBody>
+          <a:bodyPr/>
+          <a:lstStyle/>
+          <a:p>
+            <a:pPr marL="0" indent="0">
+              <a:buNone/>
+            </a:pPr>
+            <a:r>
+              <a:rPr lang="ru-RU" b="0" i="0" dirty="0">
+                <a:solidFill>
+                  <a:schemeClr val="tx1">
+                    <a:lumMod val="95000"/>
+                    <a:lumOff val="5000"/>
+                  </a:schemeClr>
+                </a:solidFill>
+                <a:effectLst/>
+                <a:latin typeface="Helvetica" panose="020B0604020202020204" pitchFamily="34" charset="0"/>
+              </a:rPr>
+              <a:t>Я поставила перед собой цель разработать приложение, автоматизирующее ручную работу библиотекаря на языке программирования Python с использованием библиотеки </a:t>
+            </a:r>
+            <a:r>
+              <a:rPr lang="ru-RU" b="0" i="0" dirty="0" err="1">
+                <a:solidFill>
+                  <a:schemeClr val="tx1">
+                    <a:lumMod val="95000"/>
+                    <a:lumOff val="5000"/>
+                  </a:schemeClr>
+                </a:solidFill>
+                <a:effectLst/>
+                <a:latin typeface="Helvetica" panose="020B0604020202020204" pitchFamily="34" charset="0"/>
+              </a:rPr>
+              <a:t>PyQT</a:t>
+            </a:r>
+            <a:r>
+              <a:rPr lang="ru-RU" b="0" i="0" dirty="0">
+                <a:solidFill>
+                  <a:schemeClr val="tx1">
+                    <a:lumMod val="95000"/>
+                    <a:lumOff val="5000"/>
+                  </a:schemeClr>
+                </a:solidFill>
+                <a:effectLst/>
+                <a:latin typeface="Helvetica" panose="020B0604020202020204" pitchFamily="34" charset="0"/>
+              </a:rPr>
+              <a:t>.</a:t>
+            </a:r>
+            <a:endParaRPr lang="ru-RU" dirty="0">
+              <a:solidFill>
+                <a:schemeClr val="tx1">
+                  <a:lumMod val="95000"/>
+                  <a:lumOff val="5000"/>
+                </a:schemeClr>
+              </a:solidFill>
+            </a:endParaRPr>
+          </a:p>
+        </p:txBody>
+      </p:sp>
+    </p:spTree>
+    <p:extLst>
+      <p:ext uri="{BB962C8B-B14F-4D97-AF65-F5344CB8AC3E}">
+        <p14:creationId xmlns:p14="http://schemas.microsoft.com/office/powerpoint/2010/main" val="3652132493"/>
+      </p:ext>
+    </p:extLst>
+  </p:cSld>
+  <p:clrMapOvr>
+    <a:masterClrMapping/>
+  </p:clrMapOvr>
+</p:sld>
+</file>
+
+<file path=ppt/slides/slide4.xml><?xml version="1.0" encoding="utf-8"?>
+<p:sld xmlns:a="http://schemas.openxmlformats.org/drawingml/2006/main" xmlns:r="http://schemas.openxmlformats.org/officeDocument/2006/relationships" xmlns:p="http://schemas.openxmlformats.org/presentationml/2006/main">
+  <p:cSld>
+    <p:spTree>
+      <p:nvGrpSpPr>
+        <p:cNvPr id="1" name=""/>
+        <p:cNvGrpSpPr/>
+        <p:nvPr/>
+      </p:nvGrpSpPr>
+      <p:grpSpPr>
+        <a:xfrm>
+          <a:off x="0" y="0"/>
+          <a:ext cx="0" cy="0"/>
+          <a:chOff x="0" y="0"/>
+          <a:chExt cx="0" cy="0"/>
+        </a:xfrm>
+      </p:grpSpPr>
+      <p:sp>
+        <p:nvSpPr>
+          <p:cNvPr id="2" name="Заголовок 1">
+            <a:extLst>
+              <a:ext uri="{FF2B5EF4-FFF2-40B4-BE49-F238E27FC236}">
                 <a16:creationId xmlns:a16="http://schemas.microsoft.com/office/drawing/2014/main" id="{497C494F-5D9D-43F1-8BE3-70F3B96C73EF}"/>
               </a:ext>
             </a:extLst>
@@ -3749,10 +4163,10 @@
       </p:sp>
       <p:pic>
         <p:nvPicPr>
-          <p:cNvPr id="5" name="Рисунок 4">
-            <a:extLst>
-              <a:ext uri="{FF2B5EF4-FFF2-40B4-BE49-F238E27FC236}">
-                <a16:creationId xmlns:a16="http://schemas.microsoft.com/office/drawing/2014/main" id="{2FCDADD2-F9E6-411D-AD49-2432D056B6B3}"/>
+          <p:cNvPr id="9" name="Рисунок 8">
+            <a:extLst>
+              <a:ext uri="{FF2B5EF4-FFF2-40B4-BE49-F238E27FC236}">
+                <a16:creationId xmlns:a16="http://schemas.microsoft.com/office/drawing/2014/main" id="{EA106D1B-C1C4-48EB-9907-00B00FEEFBB4}"/>
               </a:ext>
             </a:extLst>
           </p:cNvPr>
@@ -3769,8 +4183,8 @@
         </p:blipFill>
         <p:spPr>
           <a:xfrm>
-            <a:off x="619125" y="2961660"/>
-            <a:ext cx="1609725" cy="934679"/>
+            <a:off x="9159783" y="5142008"/>
+            <a:ext cx="2874285" cy="1471415"/>
           </a:xfrm>
           <a:prstGeom prst="rect">
             <a:avLst/>
@@ -3779,10 +4193,10 @@
       </p:pic>
       <p:pic>
         <p:nvPicPr>
-          <p:cNvPr id="7" name="Рисунок 6">
-            <a:extLst>
-              <a:ext uri="{FF2B5EF4-FFF2-40B4-BE49-F238E27FC236}">
-                <a16:creationId xmlns:a16="http://schemas.microsoft.com/office/drawing/2014/main" id="{DC9E6B28-3187-4F52-B4F6-01B6F8FDC409}"/>
+          <p:cNvPr id="16" name="Рисунок 15">
+            <a:extLst>
+              <a:ext uri="{FF2B5EF4-FFF2-40B4-BE49-F238E27FC236}">
+                <a16:creationId xmlns:a16="http://schemas.microsoft.com/office/drawing/2014/main" id="{298CC73F-CEBC-4A1A-B33C-2C70FBFABAB8}"/>
               </a:ext>
             </a:extLst>
           </p:cNvPr>
@@ -3799,20 +4213,140 @@
         </p:blipFill>
         <p:spPr>
           <a:xfrm>
-            <a:off x="3030641" y="1876425"/>
-            <a:ext cx="3855934" cy="2755209"/>
+            <a:off x="782559" y="4818736"/>
+            <a:ext cx="3359821" cy="1794687"/>
           </a:xfrm>
           <a:prstGeom prst="rect">
             <a:avLst/>
           </a:prstGeom>
         </p:spPr>
       </p:pic>
-      <p:sp>
-        <p:nvSpPr>
-          <p:cNvPr id="10" name="Стрелка: вправо 9">
-            <a:extLst>
-              <a:ext uri="{FF2B5EF4-FFF2-40B4-BE49-F238E27FC236}">
-                <a16:creationId xmlns:a16="http://schemas.microsoft.com/office/drawing/2014/main" id="{F94D97FD-E1F1-4EBF-8A88-ED34545F61C2}"/>
+      <p:pic>
+        <p:nvPicPr>
+          <p:cNvPr id="8" name="Рисунок 7">
+            <a:extLst>
+              <a:ext uri="{FF2B5EF4-FFF2-40B4-BE49-F238E27FC236}">
+                <a16:creationId xmlns:a16="http://schemas.microsoft.com/office/drawing/2014/main" id="{3B7B552A-5B45-4DB6-BFC6-FE27033AF475}"/>
+              </a:ext>
+            </a:extLst>
+          </p:cNvPr>
+          <p:cNvPicPr>
+            <a:picLocks noChangeAspect="1"/>
+          </p:cNvPicPr>
+          <p:nvPr/>
+        </p:nvPicPr>
+        <p:blipFill>
+          <a:blip r:embed="rId4"/>
+          <a:stretch>
+            <a:fillRect/>
+          </a:stretch>
+        </p:blipFill>
+        <p:spPr>
+          <a:xfrm>
+            <a:off x="3032217" y="1288315"/>
+            <a:ext cx="4484430" cy="3235652"/>
+          </a:xfrm>
+          <a:prstGeom prst="rect">
+            <a:avLst/>
+          </a:prstGeom>
+        </p:spPr>
+      </p:pic>
+      <p:pic>
+        <p:nvPicPr>
+          <p:cNvPr id="15" name="Рисунок 14">
+            <a:extLst>
+              <a:ext uri="{FF2B5EF4-FFF2-40B4-BE49-F238E27FC236}">
+                <a16:creationId xmlns:a16="http://schemas.microsoft.com/office/drawing/2014/main" id="{3CAE2112-9AA8-439E-B6E7-07302BA030A0}"/>
+              </a:ext>
+            </a:extLst>
+          </p:cNvPr>
+          <p:cNvPicPr>
+            <a:picLocks noChangeAspect="1"/>
+          </p:cNvPicPr>
+          <p:nvPr/>
+        </p:nvPicPr>
+        <p:blipFill>
+          <a:blip r:embed="rId5"/>
+          <a:stretch>
+            <a:fillRect/>
+          </a:stretch>
+        </p:blipFill>
+        <p:spPr>
+          <a:xfrm>
+            <a:off x="439223" y="2512920"/>
+            <a:ext cx="1941937" cy="1188814"/>
+          </a:xfrm>
+          <a:prstGeom prst="rect">
+            <a:avLst/>
+          </a:prstGeom>
+        </p:spPr>
+      </p:pic>
+      <p:pic>
+        <p:nvPicPr>
+          <p:cNvPr id="19" name="Рисунок 18">
+            <a:extLst>
+              <a:ext uri="{FF2B5EF4-FFF2-40B4-BE49-F238E27FC236}">
+                <a16:creationId xmlns:a16="http://schemas.microsoft.com/office/drawing/2014/main" id="{5BC6358D-00B2-4EF6-9121-6CE870851F42}"/>
+              </a:ext>
+            </a:extLst>
+          </p:cNvPr>
+          <p:cNvPicPr>
+            <a:picLocks noChangeAspect="1"/>
+          </p:cNvPicPr>
+          <p:nvPr/>
+        </p:nvPicPr>
+        <p:blipFill>
+          <a:blip r:embed="rId6"/>
+          <a:stretch>
+            <a:fillRect/>
+          </a:stretch>
+        </p:blipFill>
+        <p:spPr>
+          <a:xfrm>
+            <a:off x="8559686" y="2613878"/>
+            <a:ext cx="2874285" cy="2309988"/>
+          </a:xfrm>
+          <a:prstGeom prst="rect">
+            <a:avLst/>
+          </a:prstGeom>
+        </p:spPr>
+      </p:pic>
+      <p:pic>
+        <p:nvPicPr>
+          <p:cNvPr id="25" name="Рисунок 24">
+            <a:extLst>
+              <a:ext uri="{FF2B5EF4-FFF2-40B4-BE49-F238E27FC236}">
+                <a16:creationId xmlns:a16="http://schemas.microsoft.com/office/drawing/2014/main" id="{8D21F23E-DF76-41CE-9DB4-B510AAD522D7}"/>
+              </a:ext>
+            </a:extLst>
+          </p:cNvPr>
+          <p:cNvPicPr>
+            <a:picLocks noChangeAspect="1"/>
+          </p:cNvPicPr>
+          <p:nvPr/>
+        </p:nvPicPr>
+        <p:blipFill>
+          <a:blip r:embed="rId7"/>
+          <a:stretch>
+            <a:fillRect/>
+          </a:stretch>
+        </p:blipFill>
+        <p:spPr>
+          <a:xfrm>
+            <a:off x="8062228" y="1499108"/>
+            <a:ext cx="3029975" cy="926672"/>
+          </a:xfrm>
+          <a:prstGeom prst="rect">
+            <a:avLst/>
+          </a:prstGeom>
+        </p:spPr>
+      </p:pic>
+      <p:sp>
+        <p:nvSpPr>
+          <p:cNvPr id="26" name="Стрелка: вправо 25">
+            <a:extLst>
+              <a:ext uri="{FF2B5EF4-FFF2-40B4-BE49-F238E27FC236}">
+                <a16:creationId xmlns:a16="http://schemas.microsoft.com/office/drawing/2014/main" id="{DAC8979B-721C-4BC9-B97A-17C22E6AFA09}"/>
               </a:ext>
             </a:extLst>
           </p:cNvPr>
@@ -3821,8 +4355,8 @@
         </p:nvSpPr>
         <p:spPr>
           <a:xfrm>
-            <a:off x="1894299" y="3671425"/>
-            <a:ext cx="1136342" cy="195309"/>
+            <a:off x="2119274" y="3429000"/>
+            <a:ext cx="1304925" cy="259762"/>
           </a:xfrm>
           <a:prstGeom prst="rightArrow">
             <a:avLst/>
@@ -3853,52 +4387,22 @@
           </a:p>
         </p:txBody>
       </p:sp>
-      <p:pic>
-        <p:nvPicPr>
-          <p:cNvPr id="12" name="Рисунок 11">
-            <a:extLst>
-              <a:ext uri="{FF2B5EF4-FFF2-40B4-BE49-F238E27FC236}">
-                <a16:creationId xmlns:a16="http://schemas.microsoft.com/office/drawing/2014/main" id="{EA732212-FBDF-4850-835B-F2259F02E5A1}"/>
-              </a:ext>
-            </a:extLst>
-          </p:cNvPr>
-          <p:cNvPicPr>
-            <a:picLocks noChangeAspect="1"/>
-          </p:cNvPicPr>
+      <p:sp>
+        <p:nvSpPr>
+          <p:cNvPr id="27" name="Стрелка: вправо 26">
+            <a:extLst>
+              <a:ext uri="{FF2B5EF4-FFF2-40B4-BE49-F238E27FC236}">
+                <a16:creationId xmlns:a16="http://schemas.microsoft.com/office/drawing/2014/main" id="{39E7E65D-7BC7-4267-BE97-0056F083D85D}"/>
+              </a:ext>
+            </a:extLst>
+          </p:cNvPr>
+          <p:cNvSpPr/>
           <p:nvPr/>
-        </p:nvPicPr>
-        <p:blipFill>
-          <a:blip r:embed="rId4"/>
-          <a:stretch>
-            <a:fillRect/>
-          </a:stretch>
-        </p:blipFill>
+        </p:nvSpPr>
         <p:spPr>
           <a:xfrm>
-            <a:off x="7688366" y="1779736"/>
-            <a:ext cx="3242061" cy="901320"/>
-          </a:xfrm>
-          <a:prstGeom prst="rect">
-            <a:avLst/>
-          </a:prstGeom>
-        </p:spPr>
-      </p:pic>
-      <p:sp>
-        <p:nvSpPr>
-          <p:cNvPr id="13" name="Стрелка: вправо 12">
-            <a:extLst>
-              <a:ext uri="{FF2B5EF4-FFF2-40B4-BE49-F238E27FC236}">
-                <a16:creationId xmlns:a16="http://schemas.microsoft.com/office/drawing/2014/main" id="{B60AA0CC-7D3E-41F7-898E-2DD9A6EA62A4}"/>
-              </a:ext>
-            </a:extLst>
-          </p:cNvPr>
-          <p:cNvSpPr/>
-          <p:nvPr/>
-        </p:nvSpPr>
-        <p:spPr>
-          <a:xfrm>
-            <a:off x="6729274" y="1961965"/>
-            <a:ext cx="1500326" cy="159798"/>
+            <a:off x="4927107" y="2033328"/>
+            <a:ext cx="3240597" cy="136951"/>
           </a:xfrm>
           <a:prstGeom prst="rightArrow">
             <a:avLst/>
@@ -3929,52 +4433,22 @@
           </a:p>
         </p:txBody>
       </p:sp>
-      <p:pic>
-        <p:nvPicPr>
-          <p:cNvPr id="4" name="Рисунок 3">
-            <a:extLst>
-              <a:ext uri="{FF2B5EF4-FFF2-40B4-BE49-F238E27FC236}">
-                <a16:creationId xmlns:a16="http://schemas.microsoft.com/office/drawing/2014/main" id="{DA7761F6-2B89-4DF9-A97A-A5951FD4B716}"/>
-              </a:ext>
-            </a:extLst>
-          </p:cNvPr>
-          <p:cNvPicPr>
-            <a:picLocks noChangeAspect="1"/>
-          </p:cNvPicPr>
+      <p:sp>
+        <p:nvSpPr>
+          <p:cNvPr id="28" name="Стрелка: вправо 27">
+            <a:extLst>
+              <a:ext uri="{FF2B5EF4-FFF2-40B4-BE49-F238E27FC236}">
+                <a16:creationId xmlns:a16="http://schemas.microsoft.com/office/drawing/2014/main" id="{501550B7-4B4C-4243-8BDD-44AAD6E42AC4}"/>
+              </a:ext>
+            </a:extLst>
+          </p:cNvPr>
+          <p:cNvSpPr/>
           <p:nvPr/>
-        </p:nvPicPr>
-        <p:blipFill>
-          <a:blip r:embed="rId5"/>
-          <a:stretch>
-            <a:fillRect/>
-          </a:stretch>
-        </p:blipFill>
+        </p:nvSpPr>
         <p:spPr>
           <a:xfrm>
-            <a:off x="7972333" y="3049023"/>
-            <a:ext cx="2529554" cy="1999164"/>
-          </a:xfrm>
-          <a:prstGeom prst="rect">
-            <a:avLst/>
-          </a:prstGeom>
-        </p:spPr>
-      </p:pic>
-      <p:sp>
-        <p:nvSpPr>
-          <p:cNvPr id="6" name="Стрелка: вправо 5">
-            <a:extLst>
-              <a:ext uri="{FF2B5EF4-FFF2-40B4-BE49-F238E27FC236}">
-                <a16:creationId xmlns:a16="http://schemas.microsoft.com/office/drawing/2014/main" id="{72C44C01-BA6F-4DED-902C-D5E332DD6B24}"/>
-              </a:ext>
-            </a:extLst>
-          </p:cNvPr>
-          <p:cNvSpPr/>
-          <p:nvPr/>
-        </p:nvSpPr>
-        <p:spPr>
-          <a:xfrm>
-            <a:off x="6679291" y="4455632"/>
-            <a:ext cx="1500326" cy="159798"/>
+            <a:off x="7039992" y="4363746"/>
+            <a:ext cx="2119791" cy="136950"/>
           </a:xfrm>
           <a:prstGeom prst="rightArrow">
             <a:avLst/>
@@ -4005,42 +4479,12 @@
           </a:p>
         </p:txBody>
       </p:sp>
-      <p:pic>
-        <p:nvPicPr>
-          <p:cNvPr id="9" name="Рисунок 8">
-            <a:extLst>
-              <a:ext uri="{FF2B5EF4-FFF2-40B4-BE49-F238E27FC236}">
-                <a16:creationId xmlns:a16="http://schemas.microsoft.com/office/drawing/2014/main" id="{EA106D1B-C1C4-48EB-9907-00B00FEEFBB4}"/>
-              </a:ext>
-            </a:extLst>
-          </p:cNvPr>
-          <p:cNvPicPr>
-            <a:picLocks noChangeAspect="1"/>
-          </p:cNvPicPr>
-          <p:nvPr/>
-        </p:nvPicPr>
-        <p:blipFill>
-          <a:blip r:embed="rId6"/>
-          <a:stretch>
-            <a:fillRect/>
-          </a:stretch>
-        </p:blipFill>
-        <p:spPr>
-          <a:xfrm>
-            <a:off x="9064744" y="5195622"/>
-            <a:ext cx="2874285" cy="1471415"/>
-          </a:xfrm>
-          <a:prstGeom prst="rect">
-            <a:avLst/>
-          </a:prstGeom>
-        </p:spPr>
-      </p:pic>
-      <p:sp>
-        <p:nvSpPr>
-          <p:cNvPr id="14" name="Стрелка: вправо 13">
-            <a:extLst>
-              <a:ext uri="{FF2B5EF4-FFF2-40B4-BE49-F238E27FC236}">
-                <a16:creationId xmlns:a16="http://schemas.microsoft.com/office/drawing/2014/main" id="{BE61B4C0-C759-4772-BE2B-D6DD57EC11B4}"/>
+      <p:sp>
+        <p:nvSpPr>
+          <p:cNvPr id="30" name="Стрелка: вправо 29">
+            <a:extLst>
+              <a:ext uri="{FF2B5EF4-FFF2-40B4-BE49-F238E27FC236}">
+                <a16:creationId xmlns:a16="http://schemas.microsoft.com/office/drawing/2014/main" id="{A48BB433-BBC4-4730-B5E6-831DB1A3FA4E}"/>
               </a:ext>
             </a:extLst>
           </p:cNvPr>
@@ -4048,9 +4492,9 @@
           <p:nvPr/>
         </p:nvSpPr>
         <p:spPr>
-          <a:xfrm rot="3915932">
-            <a:off x="9756947" y="4237003"/>
-            <a:ext cx="2346960" cy="159798"/>
+          <a:xfrm rot="4880134">
+            <a:off x="10166122" y="4040349"/>
+            <a:ext cx="2535699" cy="154592"/>
           </a:xfrm>
           <a:prstGeom prst="rightArrow">
             <a:avLst/>
@@ -4081,52 +4525,22 @@
           </a:p>
         </p:txBody>
       </p:sp>
-      <p:pic>
-        <p:nvPicPr>
-          <p:cNvPr id="16" name="Рисунок 15">
-            <a:extLst>
-              <a:ext uri="{FF2B5EF4-FFF2-40B4-BE49-F238E27FC236}">
-                <a16:creationId xmlns:a16="http://schemas.microsoft.com/office/drawing/2014/main" id="{298CC73F-CEBC-4A1A-B33C-2C70FBFABAB8}"/>
-              </a:ext>
-            </a:extLst>
-          </p:cNvPr>
-          <p:cNvPicPr>
-            <a:picLocks noChangeAspect="1"/>
-          </p:cNvPicPr>
+      <p:sp>
+        <p:nvSpPr>
+          <p:cNvPr id="31" name="Стрелка: вниз 30">
+            <a:extLst>
+              <a:ext uri="{FF2B5EF4-FFF2-40B4-BE49-F238E27FC236}">
+                <a16:creationId xmlns:a16="http://schemas.microsoft.com/office/drawing/2014/main" id="{236536A1-EBCC-4A39-B754-4453CFD9405A}"/>
+              </a:ext>
+            </a:extLst>
+          </p:cNvPr>
+          <p:cNvSpPr/>
           <p:nvPr/>
-        </p:nvPicPr>
-        <p:blipFill>
-          <a:blip r:embed="rId7"/>
-          <a:stretch>
-            <a:fillRect/>
-          </a:stretch>
-        </p:blipFill>
+        </p:nvSpPr>
         <p:spPr>
           <a:xfrm>
-            <a:off x="782559" y="4818736"/>
-            <a:ext cx="3359821" cy="1794687"/>
-          </a:xfrm>
-          <a:prstGeom prst="rect">
-            <a:avLst/>
-          </a:prstGeom>
-        </p:spPr>
-      </p:pic>
-      <p:sp>
-        <p:nvSpPr>
-          <p:cNvPr id="17" name="Стрелка: вниз 16">
-            <a:extLst>
-              <a:ext uri="{FF2B5EF4-FFF2-40B4-BE49-F238E27FC236}">
-                <a16:creationId xmlns:a16="http://schemas.microsoft.com/office/drawing/2014/main" id="{C846A8FD-1066-4116-A159-D476DF670A06}"/>
-              </a:ext>
-            </a:extLst>
-          </p:cNvPr>
-          <p:cNvSpPr/>
-          <p:nvPr/>
-        </p:nvSpPr>
-        <p:spPr>
-          <a:xfrm>
-            <a:off x="3420014" y="4587643"/>
-            <a:ext cx="194553" cy="593387"/>
+            <a:off x="3424199" y="4432221"/>
+            <a:ext cx="109114" cy="787849"/>
           </a:xfrm>
           <a:prstGeom prst="downArrow">
             <a:avLst/>
@@ -4170,7 +4584,7 @@
 </p:sld>
 </file>
 
-<file path=ppt/slides/slide4.xml><?xml version="1.0" encoding="utf-8"?>
+<file path=ppt/slides/slide5.xml><?xml version="1.0" encoding="utf-8"?>
 <p:sld xmlns:a="http://schemas.openxmlformats.org/drawingml/2006/main" xmlns:r="http://schemas.openxmlformats.org/officeDocument/2006/relationships" xmlns:p="http://schemas.openxmlformats.org/presentationml/2006/main">
   <p:cSld>
     <p:spTree>

--- a/Презентация проекта.pptx
+++ b/Презентация проекта.pptx
@@ -6,10 +6,11 @@
   </p:sldMasterIdLst>
   <p:sldIdLst>
     <p:sldId id="256" r:id="rId2"/>
-    <p:sldId id="257" r:id="rId3"/>
-    <p:sldId id="260" r:id="rId4"/>
-    <p:sldId id="258" r:id="rId5"/>
-    <p:sldId id="259" r:id="rId6"/>
+    <p:sldId id="261" r:id="rId3"/>
+    <p:sldId id="257" r:id="rId4"/>
+    <p:sldId id="260" r:id="rId5"/>
+    <p:sldId id="258" r:id="rId6"/>
+    <p:sldId id="259" r:id="rId7"/>
   </p:sldIdLst>
   <p:sldSz cx="12192000" cy="6858000"/>
   <p:notesSz cx="6858000" cy="9144000"/>
@@ -656,7 +657,7 @@
           <a:p>
             <a:fld id="{45769B78-DC0D-4B30-8EC8-5A5945251B7E}" type="datetimeFigureOut">
               <a:rPr lang="ru-RU" smtClean="0"/>
-              <a:t>01.11.2021</a:t>
+              <a:t>04.11.2021</a:t>
             </a:fld>
             <a:endParaRPr lang="ru-RU"/>
           </a:p>
@@ -854,7 +855,7 @@
           <a:p>
             <a:fld id="{45769B78-DC0D-4B30-8EC8-5A5945251B7E}" type="datetimeFigureOut">
               <a:rPr lang="ru-RU" smtClean="0"/>
-              <a:t>01.11.2021</a:t>
+              <a:t>04.11.2021</a:t>
             </a:fld>
             <a:endParaRPr lang="ru-RU"/>
           </a:p>
@@ -1062,7 +1063,7 @@
           <a:p>
             <a:fld id="{45769B78-DC0D-4B30-8EC8-5A5945251B7E}" type="datetimeFigureOut">
               <a:rPr lang="ru-RU" smtClean="0"/>
-              <a:t>01.11.2021</a:t>
+              <a:t>04.11.2021</a:t>
             </a:fld>
             <a:endParaRPr lang="ru-RU"/>
           </a:p>
@@ -1260,7 +1261,7 @@
           <a:p>
             <a:fld id="{45769B78-DC0D-4B30-8EC8-5A5945251B7E}" type="datetimeFigureOut">
               <a:rPr lang="ru-RU" smtClean="0"/>
-              <a:t>01.11.2021</a:t>
+              <a:t>04.11.2021</a:t>
             </a:fld>
             <a:endParaRPr lang="ru-RU"/>
           </a:p>
@@ -1535,7 +1536,7 @@
           <a:p>
             <a:fld id="{45769B78-DC0D-4B30-8EC8-5A5945251B7E}" type="datetimeFigureOut">
               <a:rPr lang="ru-RU" smtClean="0"/>
-              <a:t>01.11.2021</a:t>
+              <a:t>04.11.2021</a:t>
             </a:fld>
             <a:endParaRPr lang="ru-RU"/>
           </a:p>
@@ -1800,7 +1801,7 @@
           <a:p>
             <a:fld id="{45769B78-DC0D-4B30-8EC8-5A5945251B7E}" type="datetimeFigureOut">
               <a:rPr lang="ru-RU" smtClean="0"/>
-              <a:t>01.11.2021</a:t>
+              <a:t>04.11.2021</a:t>
             </a:fld>
             <a:endParaRPr lang="ru-RU"/>
           </a:p>
@@ -2212,7 +2213,7 @@
           <a:p>
             <a:fld id="{45769B78-DC0D-4B30-8EC8-5A5945251B7E}" type="datetimeFigureOut">
               <a:rPr lang="ru-RU" smtClean="0"/>
-              <a:t>01.11.2021</a:t>
+              <a:t>04.11.2021</a:t>
             </a:fld>
             <a:endParaRPr lang="ru-RU"/>
           </a:p>
@@ -2353,7 +2354,7 @@
           <a:p>
             <a:fld id="{45769B78-DC0D-4B30-8EC8-5A5945251B7E}" type="datetimeFigureOut">
               <a:rPr lang="ru-RU" smtClean="0"/>
-              <a:t>01.11.2021</a:t>
+              <a:t>04.11.2021</a:t>
             </a:fld>
             <a:endParaRPr lang="ru-RU"/>
           </a:p>
@@ -2466,7 +2467,7 @@
           <a:p>
             <a:fld id="{45769B78-DC0D-4B30-8EC8-5A5945251B7E}" type="datetimeFigureOut">
               <a:rPr lang="ru-RU" smtClean="0"/>
-              <a:t>01.11.2021</a:t>
+              <a:t>04.11.2021</a:t>
             </a:fld>
             <a:endParaRPr lang="ru-RU"/>
           </a:p>
@@ -2777,7 +2778,7 @@
           <a:p>
             <a:fld id="{45769B78-DC0D-4B30-8EC8-5A5945251B7E}" type="datetimeFigureOut">
               <a:rPr lang="ru-RU" smtClean="0"/>
-              <a:t>01.11.2021</a:t>
+              <a:t>04.11.2021</a:t>
             </a:fld>
             <a:endParaRPr lang="ru-RU"/>
           </a:p>
@@ -3065,7 +3066,7 @@
           <a:p>
             <a:fld id="{45769B78-DC0D-4B30-8EC8-5A5945251B7E}" type="datetimeFigureOut">
               <a:rPr lang="ru-RU" smtClean="0"/>
-              <a:t>01.11.2021</a:t>
+              <a:t>04.11.2021</a:t>
             </a:fld>
             <a:endParaRPr lang="ru-RU"/>
           </a:p>
@@ -3306,7 +3307,7 @@
           <a:p>
             <a:fld id="{45769B78-DC0D-4B30-8EC8-5A5945251B7E}" type="datetimeFigureOut">
               <a:rPr lang="ru-RU" smtClean="0"/>
-              <a:t>01.11.2021</a:t>
+              <a:t>04.11.2021</a:t>
             </a:fld>
             <a:endParaRPr lang="ru-RU"/>
           </a:p>
@@ -3815,7 +3816,7 @@
           <p:cNvPr id="2" name="Заголовок 1">
             <a:extLst>
               <a:ext uri="{FF2B5EF4-FFF2-40B4-BE49-F238E27FC236}">
-                <a16:creationId xmlns:a16="http://schemas.microsoft.com/office/drawing/2014/main" id="{C8DE0CA6-86AF-4722-933B-5108D004722A}"/>
+                <a16:creationId xmlns:a16="http://schemas.microsoft.com/office/drawing/2014/main" id="{02326B3F-3B59-4845-AF08-BA44DFBF340B}"/>
               </a:ext>
             </a:extLst>
           </p:cNvPr>
@@ -3832,17 +3833,12 @@
           <a:lstStyle/>
           <a:p>
             <a:r>
-              <a:rPr lang="ru-RU" b="1" i="0" dirty="0">
-                <a:solidFill>
-                  <a:schemeClr val="tx1">
-                    <a:lumMod val="95000"/>
-                    <a:lumOff val="5000"/>
-                  </a:schemeClr>
-                </a:solidFill>
-                <a:effectLst/>
-                <a:latin typeface="Helvetica" panose="020B0604020202020204" pitchFamily="34" charset="0"/>
-              </a:rPr>
-              <a:t>Проблемы:</a:t>
+              <a:rPr lang="ru-RU" dirty="0"/>
+              <a:t>Содержание презентации</a:t>
+            </a:r>
+            <a:r>
+              <a:rPr lang="en-US" dirty="0"/>
+              <a:t>:</a:t>
             </a:r>
             <a:endParaRPr lang="ru-RU" dirty="0"/>
           </a:p>
@@ -3850,10 +3846,10 @@
       </p:sp>
       <p:sp>
         <p:nvSpPr>
-          <p:cNvPr id="6" name="Объект 5">
-            <a:extLst>
-              <a:ext uri="{FF2B5EF4-FFF2-40B4-BE49-F238E27FC236}">
-                <a16:creationId xmlns:a16="http://schemas.microsoft.com/office/drawing/2014/main" id="{B53260A8-100B-4EE4-8D71-5132EE31D7F3}"/>
+          <p:cNvPr id="3" name="Объект 2">
+            <a:extLst>
+              <a:ext uri="{FF2B5EF4-FFF2-40B4-BE49-F238E27FC236}">
+                <a16:creationId xmlns:a16="http://schemas.microsoft.com/office/drawing/2014/main" id="{DCFD6D30-9C0F-45D8-A530-58CA40A546C1}"/>
               </a:ext>
             </a:extLst>
           </p:cNvPr>
@@ -3866,112 +3862,40 @@
         </p:nvSpPr>
         <p:spPr/>
         <p:txBody>
-          <a:bodyPr/>
-          <a:lstStyle/>
-          <a:p>
-            <a:pPr marL="514350" indent="-514350" algn="l">
-              <a:buFont typeface="+mj-lt"/>
-              <a:buAutoNum type="arabicPeriod"/>
-            </a:pPr>
-            <a:r>
-              <a:rPr lang="ru-RU" b="0" i="0" dirty="0">
-                <a:solidFill>
-                  <a:schemeClr val="tx1">
-                    <a:lumMod val="95000"/>
-                    <a:lumOff val="5000"/>
-                  </a:schemeClr>
-                </a:solidFill>
-                <a:effectLst/>
-                <a:latin typeface="Helvetica" panose="020B0604020202020204" pitchFamily="34" charset="0"/>
-              </a:rPr>
-              <a:t>Поиск нужной книги занимает долгое время.</a:t>
-            </a:r>
-          </a:p>
-          <a:p>
-            <a:pPr algn="l">
-              <a:buFont typeface="+mj-lt"/>
-              <a:buAutoNum type="arabicPeriod"/>
-            </a:pPr>
-            <a:r>
-              <a:rPr lang="ru-RU" b="0" i="0" dirty="0">
-                <a:solidFill>
-                  <a:schemeClr val="tx1">
-                    <a:lumMod val="95000"/>
-                    <a:lumOff val="5000"/>
-                  </a:schemeClr>
-                </a:solidFill>
-                <a:effectLst/>
-                <a:latin typeface="Helvetica" panose="020B0604020202020204" pitchFamily="34" charset="0"/>
-              </a:rPr>
-              <a:t>  Поиск бумажной карточки читателя занимает долгое время.</a:t>
-            </a:r>
-          </a:p>
-          <a:p>
-            <a:pPr algn="l">
-              <a:buFont typeface="+mj-lt"/>
-              <a:buAutoNum type="arabicPeriod"/>
-            </a:pPr>
-            <a:r>
-              <a:rPr lang="ru-RU" b="0" i="0" dirty="0">
-                <a:solidFill>
-                  <a:schemeClr val="tx1">
-                    <a:lumMod val="95000"/>
-                    <a:lumOff val="5000"/>
-                  </a:schemeClr>
-                </a:solidFill>
-                <a:effectLst/>
-                <a:latin typeface="Helvetica" panose="020B0604020202020204" pitchFamily="34" charset="0"/>
-              </a:rPr>
-              <a:t>  Оформление выдачи книги читателю требует ручной работы.</a:t>
-            </a:r>
-          </a:p>
-          <a:p>
-            <a:pPr algn="l">
-              <a:buFont typeface="+mj-lt"/>
-              <a:buAutoNum type="arabicPeriod"/>
-            </a:pPr>
-            <a:r>
-              <a:rPr lang="ru-RU" b="0" i="0" dirty="0">
-                <a:solidFill>
-                  <a:schemeClr val="tx1">
-                    <a:lumMod val="95000"/>
-                    <a:lumOff val="5000"/>
-                  </a:schemeClr>
-                </a:solidFill>
-                <a:effectLst/>
-                <a:latin typeface="Helvetica" panose="020B0604020202020204" pitchFamily="34" charset="0"/>
-              </a:rPr>
-              <a:t>  Сложно контролировать сроки сдачи книг.</a:t>
-            </a:r>
-          </a:p>
-          <a:p>
-            <a:pPr algn="l">
-              <a:buFont typeface="+mj-lt"/>
-              <a:buAutoNum type="arabicPeriod"/>
-            </a:pPr>
-            <a:r>
-              <a:rPr lang="ru-RU" b="0" i="0" dirty="0">
-                <a:solidFill>
-                  <a:schemeClr val="tx1">
-                    <a:lumMod val="95000"/>
-                    <a:lumOff val="5000"/>
-                  </a:schemeClr>
-                </a:solidFill>
-                <a:effectLst/>
-                <a:latin typeface="Helvetica" panose="020B0604020202020204" pitchFamily="34" charset="0"/>
-              </a:rPr>
-              <a:t>  Трудно вести ручной учёт выданных/оставшихся книг.</a:t>
-            </a:r>
-          </a:p>
-          <a:p>
-            <a:endParaRPr lang="ru-RU" dirty="0"/>
+          <a:bodyPr>
+            <a:normAutofit/>
+          </a:bodyPr>
+          <a:lstStyle/>
+          <a:p>
+            <a:r>
+              <a:rPr lang="ru-RU" sz="3200" dirty="0"/>
+              <a:t>Проблемы</a:t>
+            </a:r>
+          </a:p>
+          <a:p>
+            <a:r>
+              <a:rPr lang="ru-RU" sz="3200" dirty="0"/>
+              <a:t>Цель</a:t>
+            </a:r>
+          </a:p>
+          <a:p>
+            <a:r>
+              <a:rPr lang="ru-RU" sz="3200" dirty="0"/>
+              <a:t>Карта пользовательского интерфейса</a:t>
+            </a:r>
+          </a:p>
+          <a:p>
+            <a:r>
+              <a:rPr lang="ru-RU" sz="3200" dirty="0"/>
+              <a:t>Структура базы данных</a:t>
+            </a:r>
           </a:p>
         </p:txBody>
       </p:sp>
     </p:spTree>
     <p:extLst>
       <p:ext uri="{BB962C8B-B14F-4D97-AF65-F5344CB8AC3E}">
-        <p14:creationId xmlns:p14="http://schemas.microsoft.com/office/powerpoint/2010/main" val="1668016707"/>
+        <p14:creationId xmlns:p14="http://schemas.microsoft.com/office/powerpoint/2010/main" val="2471217192"/>
       </p:ext>
     </p:extLst>
   </p:cSld>
@@ -4003,7 +3927,7 @@
           <p:cNvPr id="2" name="Заголовок 1">
             <a:extLst>
               <a:ext uri="{FF2B5EF4-FFF2-40B4-BE49-F238E27FC236}">
-                <a16:creationId xmlns:a16="http://schemas.microsoft.com/office/drawing/2014/main" id="{A4272332-BCE9-4158-A06F-1C3C851950AD}"/>
+                <a16:creationId xmlns:a16="http://schemas.microsoft.com/office/drawing/2014/main" id="{C8DE0CA6-86AF-4722-933B-5108D004722A}"/>
               </a:ext>
             </a:extLst>
           </p:cNvPr>
@@ -4020,21 +3944,28 @@
           <a:lstStyle/>
           <a:p>
             <a:r>
-              <a:rPr lang="ru-RU" dirty="0">
+              <a:rPr lang="ru-RU" b="1" i="0" dirty="0">
+                <a:solidFill>
+                  <a:schemeClr val="tx1">
+                    <a:lumMod val="95000"/>
+                    <a:lumOff val="5000"/>
+                  </a:schemeClr>
+                </a:solidFill>
+                <a:effectLst/>
                 <a:latin typeface="Helvetica" panose="020B0604020202020204" pitchFamily="34" charset="0"/>
-                <a:cs typeface="Helvetica" panose="020B0604020202020204" pitchFamily="34" charset="0"/>
               </a:rPr>
-              <a:t>Цель</a:t>
-            </a:r>
-          </a:p>
-        </p:txBody>
-      </p:sp>
-      <p:sp>
-        <p:nvSpPr>
-          <p:cNvPr id="3" name="Объект 2">
-            <a:extLst>
-              <a:ext uri="{FF2B5EF4-FFF2-40B4-BE49-F238E27FC236}">
-                <a16:creationId xmlns:a16="http://schemas.microsoft.com/office/drawing/2014/main" id="{E237A593-DDD9-4D20-95B0-71BCEEF77454}"/>
+              <a:t>Проблемы:</a:t>
+            </a:r>
+            <a:endParaRPr lang="ru-RU" dirty="0"/>
+          </a:p>
+        </p:txBody>
+      </p:sp>
+      <p:sp>
+        <p:nvSpPr>
+          <p:cNvPr id="6" name="Объект 5">
+            <a:extLst>
+              <a:ext uri="{FF2B5EF4-FFF2-40B4-BE49-F238E27FC236}">
+                <a16:creationId xmlns:a16="http://schemas.microsoft.com/office/drawing/2014/main" id="{B53260A8-100B-4EE4-8D71-5132EE31D7F3}"/>
               </a:ext>
             </a:extLst>
           </p:cNvPr>
@@ -4050,8 +3981,9 @@
           <a:bodyPr/>
           <a:lstStyle/>
           <a:p>
-            <a:pPr marL="0" indent="0">
-              <a:buNone/>
+            <a:pPr marL="514350" indent="-514350" algn="l">
+              <a:buFont typeface="+mj-lt"/>
+              <a:buAutoNum type="arabicPeriod"/>
             </a:pPr>
             <a:r>
               <a:rPr lang="ru-RU" b="0" i="0" dirty="0">
@@ -4064,21 +3996,14 @@
                 <a:effectLst/>
                 <a:latin typeface="Helvetica" panose="020B0604020202020204" pitchFamily="34" charset="0"/>
               </a:rPr>
-              <a:t>Я поставила перед собой цель разработать приложение, автоматизирующее ручную работу библиотекаря на языке программирования Python с использованием библиотеки </a:t>
-            </a:r>
-            <a:r>
-              <a:rPr lang="ru-RU" b="0" i="0" dirty="0" err="1">
-                <a:solidFill>
-                  <a:schemeClr val="tx1">
-                    <a:lumMod val="95000"/>
-                    <a:lumOff val="5000"/>
-                  </a:schemeClr>
-                </a:solidFill>
-                <a:effectLst/>
-                <a:latin typeface="Helvetica" panose="020B0604020202020204" pitchFamily="34" charset="0"/>
-              </a:rPr>
-              <a:t>PyQT</a:t>
-            </a:r>
+              <a:t>Поиск нужной книги занимает долгое время.</a:t>
+            </a:r>
+          </a:p>
+          <a:p>
+            <a:pPr algn="l">
+              <a:buFont typeface="+mj-lt"/>
+              <a:buAutoNum type="arabicPeriod"/>
+            </a:pPr>
             <a:r>
               <a:rPr lang="ru-RU" b="0" i="0" dirty="0">
                 <a:solidFill>
@@ -4090,23 +4015,75 @@
                 <a:effectLst/>
                 <a:latin typeface="Helvetica" panose="020B0604020202020204" pitchFamily="34" charset="0"/>
               </a:rPr>
-              <a:t>.</a:t>
-            </a:r>
-            <a:endParaRPr lang="ru-RU" dirty="0">
-              <a:solidFill>
-                <a:schemeClr val="tx1">
-                  <a:lumMod val="95000"/>
-                  <a:lumOff val="5000"/>
-                </a:schemeClr>
-              </a:solidFill>
-            </a:endParaRPr>
+              <a:t>  Поиск бумажной карточки читателя занимает долгое время.</a:t>
+            </a:r>
+          </a:p>
+          <a:p>
+            <a:pPr algn="l">
+              <a:buFont typeface="+mj-lt"/>
+              <a:buAutoNum type="arabicPeriod"/>
+            </a:pPr>
+            <a:r>
+              <a:rPr lang="ru-RU" b="0" i="0" dirty="0">
+                <a:solidFill>
+                  <a:schemeClr val="tx1">
+                    <a:lumMod val="95000"/>
+                    <a:lumOff val="5000"/>
+                  </a:schemeClr>
+                </a:solidFill>
+                <a:effectLst/>
+                <a:latin typeface="Helvetica" panose="020B0604020202020204" pitchFamily="34" charset="0"/>
+              </a:rPr>
+              <a:t>  Оформление выдачи книги читателю требует ручной работы.</a:t>
+            </a:r>
+          </a:p>
+          <a:p>
+            <a:pPr algn="l">
+              <a:buFont typeface="+mj-lt"/>
+              <a:buAutoNum type="arabicPeriod"/>
+            </a:pPr>
+            <a:r>
+              <a:rPr lang="ru-RU" b="0" i="0" dirty="0">
+                <a:solidFill>
+                  <a:schemeClr val="tx1">
+                    <a:lumMod val="95000"/>
+                    <a:lumOff val="5000"/>
+                  </a:schemeClr>
+                </a:solidFill>
+                <a:effectLst/>
+                <a:latin typeface="Helvetica" panose="020B0604020202020204" pitchFamily="34" charset="0"/>
+              </a:rPr>
+              <a:t>  Сложно контролировать сроки сдачи книг.</a:t>
+            </a:r>
+          </a:p>
+          <a:p>
+            <a:pPr algn="l">
+              <a:buFont typeface="+mj-lt"/>
+              <a:buAutoNum type="arabicPeriod"/>
+            </a:pPr>
+            <a:r>
+              <a:rPr lang="ru-RU" b="0" i="0" dirty="0">
+                <a:solidFill>
+                  <a:schemeClr val="tx1">
+                    <a:lumMod val="95000"/>
+                    <a:lumOff val="5000"/>
+                  </a:schemeClr>
+                </a:solidFill>
+                <a:effectLst/>
+                <a:latin typeface="Helvetica" panose="020B0604020202020204" pitchFamily="34" charset="0"/>
+              </a:rPr>
+              <a:t>  Трудно вести ручной учёт выданных/оставшихся книг.</a:t>
+            </a:r>
+          </a:p>
+          <a:p>
+            <a:endParaRPr lang="ru-RU" dirty="0"/>
           </a:p>
         </p:txBody>
       </p:sp>
     </p:spTree>
     <p:extLst>
       <p:ext uri="{BB962C8B-B14F-4D97-AF65-F5344CB8AC3E}">
-        <p14:creationId xmlns:p14="http://schemas.microsoft.com/office/powerpoint/2010/main" val="3652132493"/>
+        <p14:creationId xmlns:p14="http://schemas.microsoft.com/office/powerpoint/2010/main" val="1668016707"/>
       </p:ext>
     </p:extLst>
   </p:cSld>
@@ -4138,6 +4115,141 @@
           <p:cNvPr id="2" name="Заголовок 1">
             <a:extLst>
               <a:ext uri="{FF2B5EF4-FFF2-40B4-BE49-F238E27FC236}">
+                <a16:creationId xmlns:a16="http://schemas.microsoft.com/office/drawing/2014/main" id="{A4272332-BCE9-4158-A06F-1C3C851950AD}"/>
+              </a:ext>
+            </a:extLst>
+          </p:cNvPr>
+          <p:cNvSpPr>
+            <a:spLocks noGrp="1"/>
+          </p:cNvSpPr>
+          <p:nvPr>
+            <p:ph type="title"/>
+          </p:nvPr>
+        </p:nvSpPr>
+        <p:spPr/>
+        <p:txBody>
+          <a:bodyPr/>
+          <a:lstStyle/>
+          <a:p>
+            <a:r>
+              <a:rPr lang="ru-RU" dirty="0">
+                <a:latin typeface="Helvetica" panose="020B0604020202020204" pitchFamily="34" charset="0"/>
+                <a:cs typeface="Helvetica" panose="020B0604020202020204" pitchFamily="34" charset="0"/>
+              </a:rPr>
+              <a:t>Цель</a:t>
+            </a:r>
+          </a:p>
+        </p:txBody>
+      </p:sp>
+      <p:sp>
+        <p:nvSpPr>
+          <p:cNvPr id="3" name="Объект 2">
+            <a:extLst>
+              <a:ext uri="{FF2B5EF4-FFF2-40B4-BE49-F238E27FC236}">
+                <a16:creationId xmlns:a16="http://schemas.microsoft.com/office/drawing/2014/main" id="{E237A593-DDD9-4D20-95B0-71BCEEF77454}"/>
+              </a:ext>
+            </a:extLst>
+          </p:cNvPr>
+          <p:cNvSpPr>
+            <a:spLocks noGrp="1"/>
+          </p:cNvSpPr>
+          <p:nvPr>
+            <p:ph idx="1"/>
+          </p:nvPr>
+        </p:nvSpPr>
+        <p:spPr/>
+        <p:txBody>
+          <a:bodyPr/>
+          <a:lstStyle/>
+          <a:p>
+            <a:pPr marL="0" indent="0">
+              <a:buNone/>
+            </a:pPr>
+            <a:r>
+              <a:rPr lang="ru-RU" b="0" i="0" dirty="0">
+                <a:solidFill>
+                  <a:schemeClr val="tx1">
+                    <a:lumMod val="95000"/>
+                    <a:lumOff val="5000"/>
+                  </a:schemeClr>
+                </a:solidFill>
+                <a:effectLst/>
+                <a:latin typeface="Helvetica" panose="020B0604020202020204" pitchFamily="34" charset="0"/>
+              </a:rPr>
+              <a:t>Я поставила перед собой цель разработать приложение, автоматизирующее ручную работу библиотекаря на языке программирования Python с использованием библиотеки </a:t>
+            </a:r>
+            <a:r>
+              <a:rPr lang="ru-RU" b="0" i="0" dirty="0" err="1">
+                <a:solidFill>
+                  <a:schemeClr val="tx1">
+                    <a:lumMod val="95000"/>
+                    <a:lumOff val="5000"/>
+                  </a:schemeClr>
+                </a:solidFill>
+                <a:effectLst/>
+                <a:latin typeface="Helvetica" panose="020B0604020202020204" pitchFamily="34" charset="0"/>
+              </a:rPr>
+              <a:t>PyQT</a:t>
+            </a:r>
+            <a:r>
+              <a:rPr lang="ru-RU" b="0" i="0" dirty="0">
+                <a:solidFill>
+                  <a:schemeClr val="tx1">
+                    <a:lumMod val="95000"/>
+                    <a:lumOff val="5000"/>
+                  </a:schemeClr>
+                </a:solidFill>
+                <a:effectLst/>
+                <a:latin typeface="Helvetica" panose="020B0604020202020204" pitchFamily="34" charset="0"/>
+              </a:rPr>
+              <a:t>.</a:t>
+            </a:r>
+            <a:endParaRPr lang="ru-RU" dirty="0">
+              <a:solidFill>
+                <a:schemeClr val="tx1">
+                  <a:lumMod val="95000"/>
+                  <a:lumOff val="5000"/>
+                </a:schemeClr>
+              </a:solidFill>
+            </a:endParaRPr>
+          </a:p>
+        </p:txBody>
+      </p:sp>
+    </p:spTree>
+    <p:extLst>
+      <p:ext uri="{BB962C8B-B14F-4D97-AF65-F5344CB8AC3E}">
+        <p14:creationId xmlns:p14="http://schemas.microsoft.com/office/powerpoint/2010/main" val="3652132493"/>
+      </p:ext>
+    </p:extLst>
+  </p:cSld>
+  <p:clrMapOvr>
+    <a:masterClrMapping/>
+  </p:clrMapOvr>
+</p:sld>
+</file>
+
+<file path=ppt/slides/slide5.xml><?xml version="1.0" encoding="utf-8"?>
+<p:sld xmlns:a="http://schemas.openxmlformats.org/drawingml/2006/main" xmlns:r="http://schemas.openxmlformats.org/officeDocument/2006/relationships" xmlns:p="http://schemas.openxmlformats.org/presentationml/2006/main">
+  <p:cSld>
+    <p:spTree>
+      <p:nvGrpSpPr>
+        <p:cNvPr id="1" name=""/>
+        <p:cNvGrpSpPr/>
+        <p:nvPr/>
+      </p:nvGrpSpPr>
+      <p:grpSpPr>
+        <a:xfrm>
+          <a:off x="0" y="0"/>
+          <a:ext cx="0" cy="0"/>
+          <a:chOff x="0" y="0"/>
+          <a:chExt cx="0" cy="0"/>
+        </a:xfrm>
+      </p:grpSpPr>
+      <p:sp>
+        <p:nvSpPr>
+          <p:cNvPr id="2" name="Заголовок 1">
+            <a:extLst>
+              <a:ext uri="{FF2B5EF4-FFF2-40B4-BE49-F238E27FC236}">
                 <a16:creationId xmlns:a16="http://schemas.microsoft.com/office/drawing/2014/main" id="{497C494F-5D9D-43F1-8BE3-70F3B96C73EF}"/>
               </a:ext>
             </a:extLst>
@@ -4584,7 +4696,7 @@
 </p:sld>
 </file>
 
-<file path=ppt/slides/slide5.xml><?xml version="1.0" encoding="utf-8"?>
+<file path=ppt/slides/slide6.xml><?xml version="1.0" encoding="utf-8"?>
 <p:sld xmlns:a="http://schemas.openxmlformats.org/drawingml/2006/main" xmlns:r="http://schemas.openxmlformats.org/officeDocument/2006/relationships" xmlns:p="http://schemas.openxmlformats.org/presentationml/2006/main">
   <p:cSld>
     <p:spTree>

--- a/Презентация проекта.pptx
+++ b/Презентация проекта.pptx
@@ -657,7 +657,7 @@
           <a:p>
             <a:fld id="{45769B78-DC0D-4B30-8EC8-5A5945251B7E}" type="datetimeFigureOut">
               <a:rPr lang="ru-RU" smtClean="0"/>
-              <a:t>04.11.2021</a:t>
+              <a:t>07.11.2021</a:t>
             </a:fld>
             <a:endParaRPr lang="ru-RU"/>
           </a:p>
@@ -855,7 +855,7 @@
           <a:p>
             <a:fld id="{45769B78-DC0D-4B30-8EC8-5A5945251B7E}" type="datetimeFigureOut">
               <a:rPr lang="ru-RU" smtClean="0"/>
-              <a:t>04.11.2021</a:t>
+              <a:t>07.11.2021</a:t>
             </a:fld>
             <a:endParaRPr lang="ru-RU"/>
           </a:p>
@@ -1063,7 +1063,7 @@
           <a:p>
             <a:fld id="{45769B78-DC0D-4B30-8EC8-5A5945251B7E}" type="datetimeFigureOut">
               <a:rPr lang="ru-RU" smtClean="0"/>
-              <a:t>04.11.2021</a:t>
+              <a:t>07.11.2021</a:t>
             </a:fld>
             <a:endParaRPr lang="ru-RU"/>
           </a:p>
@@ -1261,7 +1261,7 @@
           <a:p>
             <a:fld id="{45769B78-DC0D-4B30-8EC8-5A5945251B7E}" type="datetimeFigureOut">
               <a:rPr lang="ru-RU" smtClean="0"/>
-              <a:t>04.11.2021</a:t>
+              <a:t>07.11.2021</a:t>
             </a:fld>
             <a:endParaRPr lang="ru-RU"/>
           </a:p>
@@ -1536,7 +1536,7 @@
           <a:p>
             <a:fld id="{45769B78-DC0D-4B30-8EC8-5A5945251B7E}" type="datetimeFigureOut">
               <a:rPr lang="ru-RU" smtClean="0"/>
-              <a:t>04.11.2021</a:t>
+              <a:t>07.11.2021</a:t>
             </a:fld>
             <a:endParaRPr lang="ru-RU"/>
           </a:p>
@@ -1801,7 +1801,7 @@
           <a:p>
             <a:fld id="{45769B78-DC0D-4B30-8EC8-5A5945251B7E}" type="datetimeFigureOut">
               <a:rPr lang="ru-RU" smtClean="0"/>
-              <a:t>04.11.2021</a:t>
+              <a:t>07.11.2021</a:t>
             </a:fld>
             <a:endParaRPr lang="ru-RU"/>
           </a:p>
@@ -2213,7 +2213,7 @@
           <a:p>
             <a:fld id="{45769B78-DC0D-4B30-8EC8-5A5945251B7E}" type="datetimeFigureOut">
               <a:rPr lang="ru-RU" smtClean="0"/>
-              <a:t>04.11.2021</a:t>
+              <a:t>07.11.2021</a:t>
             </a:fld>
             <a:endParaRPr lang="ru-RU"/>
           </a:p>
@@ -2354,7 +2354,7 @@
           <a:p>
             <a:fld id="{45769B78-DC0D-4B30-8EC8-5A5945251B7E}" type="datetimeFigureOut">
               <a:rPr lang="ru-RU" smtClean="0"/>
-              <a:t>04.11.2021</a:t>
+              <a:t>07.11.2021</a:t>
             </a:fld>
             <a:endParaRPr lang="ru-RU"/>
           </a:p>
@@ -2467,7 +2467,7 @@
           <a:p>
             <a:fld id="{45769B78-DC0D-4B30-8EC8-5A5945251B7E}" type="datetimeFigureOut">
               <a:rPr lang="ru-RU" smtClean="0"/>
-              <a:t>04.11.2021</a:t>
+              <a:t>07.11.2021</a:t>
             </a:fld>
             <a:endParaRPr lang="ru-RU"/>
           </a:p>
@@ -2778,7 +2778,7 @@
           <a:p>
             <a:fld id="{45769B78-DC0D-4B30-8EC8-5A5945251B7E}" type="datetimeFigureOut">
               <a:rPr lang="ru-RU" smtClean="0"/>
-              <a:t>04.11.2021</a:t>
+              <a:t>07.11.2021</a:t>
             </a:fld>
             <a:endParaRPr lang="ru-RU"/>
           </a:p>
@@ -3066,7 +3066,7 @@
           <a:p>
             <a:fld id="{45769B78-DC0D-4B30-8EC8-5A5945251B7E}" type="datetimeFigureOut">
               <a:rPr lang="ru-RU" smtClean="0"/>
-              <a:t>04.11.2021</a:t>
+              <a:t>07.11.2021</a:t>
             </a:fld>
             <a:endParaRPr lang="ru-RU"/>
           </a:p>
@@ -3307,7 +3307,7 @@
           <a:p>
             <a:fld id="{45769B78-DC0D-4B30-8EC8-5A5945251B7E}" type="datetimeFigureOut">
               <a:rPr lang="ru-RU" smtClean="0"/>
-              <a:t>04.11.2021</a:t>
+              <a:t>07.11.2021</a:t>
             </a:fld>
             <a:endParaRPr lang="ru-RU"/>
           </a:p>
@@ -4683,6 +4683,144 @@
           </a:p>
         </p:txBody>
       </p:sp>
+      <p:pic>
+        <p:nvPicPr>
+          <p:cNvPr id="4" name="Рисунок 3">
+            <a:extLst>
+              <a:ext uri="{FF2B5EF4-FFF2-40B4-BE49-F238E27FC236}">
+                <a16:creationId xmlns:a16="http://schemas.microsoft.com/office/drawing/2014/main" id="{AF22A289-D8A9-47B3-ABD3-D45CB5627AF9}"/>
+              </a:ext>
+            </a:extLst>
+          </p:cNvPr>
+          <p:cNvPicPr>
+            <a:picLocks noChangeAspect="1"/>
+          </p:cNvPicPr>
+          <p:nvPr/>
+        </p:nvPicPr>
+        <p:blipFill>
+          <a:blip r:embed="rId8"/>
+          <a:stretch>
+            <a:fillRect/>
+          </a:stretch>
+        </p:blipFill>
+        <p:spPr>
+          <a:xfrm>
+            <a:off x="6565080" y="4672397"/>
+            <a:ext cx="1727193" cy="946713"/>
+          </a:xfrm>
+          <a:prstGeom prst="rect">
+            <a:avLst/>
+          </a:prstGeom>
+        </p:spPr>
+      </p:pic>
+      <p:pic>
+        <p:nvPicPr>
+          <p:cNvPr id="6" name="Рисунок 5">
+            <a:extLst>
+              <a:ext uri="{FF2B5EF4-FFF2-40B4-BE49-F238E27FC236}">
+                <a16:creationId xmlns:a16="http://schemas.microsoft.com/office/drawing/2014/main" id="{4998B927-0A28-4ABD-96BD-17E12936C9DE}"/>
+              </a:ext>
+            </a:extLst>
+          </p:cNvPr>
+          <p:cNvPicPr>
+            <a:picLocks noChangeAspect="1"/>
+          </p:cNvPicPr>
+          <p:nvPr/>
+        </p:nvPicPr>
+        <p:blipFill>
+          <a:blip r:embed="rId9"/>
+          <a:stretch>
+            <a:fillRect/>
+          </a:stretch>
+        </p:blipFill>
+        <p:spPr>
+          <a:xfrm>
+            <a:off x="6902752" y="5694153"/>
+            <a:ext cx="1497136" cy="1023281"/>
+          </a:xfrm>
+          <a:prstGeom prst="rect">
+            <a:avLst/>
+          </a:prstGeom>
+        </p:spPr>
+      </p:pic>
+      <p:cxnSp>
+        <p:nvCxnSpPr>
+          <p:cNvPr id="10" name="Прямая со стрелкой 9">
+            <a:extLst>
+              <a:ext uri="{FF2B5EF4-FFF2-40B4-BE49-F238E27FC236}">
+                <a16:creationId xmlns:a16="http://schemas.microsoft.com/office/drawing/2014/main" id="{DA731AEB-8660-400B-A591-475EC406DAD9}"/>
+              </a:ext>
+            </a:extLst>
+          </p:cNvPr>
+          <p:cNvCxnSpPr/>
+          <p:nvPr/>
+        </p:nvCxnSpPr>
+        <p:spPr>
+          <a:xfrm flipH="1" flipV="1">
+            <a:off x="8424909" y="5220070"/>
+            <a:ext cx="734874" cy="1030494"/>
+          </a:xfrm>
+          <a:prstGeom prst="straightConnector1">
+            <a:avLst/>
+          </a:prstGeom>
+          <a:ln>
+            <a:tailEnd type="triangle"/>
+          </a:ln>
+        </p:spPr>
+        <p:style>
+          <a:lnRef idx="1">
+            <a:schemeClr val="accent1"/>
+          </a:lnRef>
+          <a:fillRef idx="0">
+            <a:schemeClr val="accent1"/>
+          </a:fillRef>
+          <a:effectRef idx="0">
+            <a:schemeClr val="accent1"/>
+          </a:effectRef>
+          <a:fontRef idx="minor">
+            <a:schemeClr val="tx1"/>
+          </a:fontRef>
+        </p:style>
+      </p:cxnSp>
+      <p:cxnSp>
+        <p:nvCxnSpPr>
+          <p:cNvPr id="12" name="Прямая со стрелкой 11">
+            <a:extLst>
+              <a:ext uri="{FF2B5EF4-FFF2-40B4-BE49-F238E27FC236}">
+                <a16:creationId xmlns:a16="http://schemas.microsoft.com/office/drawing/2014/main" id="{512C5F64-5203-47D5-9C30-8721652A463B}"/>
+              </a:ext>
+            </a:extLst>
+          </p:cNvPr>
+          <p:cNvCxnSpPr/>
+          <p:nvPr/>
+        </p:nvCxnSpPr>
+        <p:spPr>
+          <a:xfrm flipH="1">
+            <a:off x="8412398" y="6250564"/>
+            <a:ext cx="2302575" cy="188098"/>
+          </a:xfrm>
+          <a:prstGeom prst="straightConnector1">
+            <a:avLst/>
+          </a:prstGeom>
+          <a:ln>
+            <a:tailEnd type="triangle"/>
+          </a:ln>
+        </p:spPr>
+        <p:style>
+          <a:lnRef idx="1">
+            <a:schemeClr val="accent1"/>
+          </a:lnRef>
+          <a:fillRef idx="0">
+            <a:schemeClr val="accent1"/>
+          </a:fillRef>
+          <a:effectRef idx="0">
+            <a:schemeClr val="accent1"/>
+          </a:effectRef>
+          <a:fontRef idx="minor">
+            <a:schemeClr val="tx1"/>
+          </a:fontRef>
+        </p:style>
+      </p:cxnSp>
     </p:spTree>
     <p:extLst>
       <p:ext uri="{BB962C8B-B14F-4D97-AF65-F5344CB8AC3E}">
@@ -4713,40 +4851,12 @@
           <a:chExt cx="0" cy="0"/>
         </a:xfrm>
       </p:grpSpPr>
-      <p:sp>
-        <p:nvSpPr>
-          <p:cNvPr id="2" name="Заголовок 1">
-            <a:extLst>
-              <a:ext uri="{FF2B5EF4-FFF2-40B4-BE49-F238E27FC236}">
-                <a16:creationId xmlns:a16="http://schemas.microsoft.com/office/drawing/2014/main" id="{BA323C6F-4559-4EDF-93FB-346D6BC86FEB}"/>
-              </a:ext>
-            </a:extLst>
-          </p:cNvPr>
-          <p:cNvSpPr>
-            <a:spLocks noGrp="1"/>
-          </p:cNvSpPr>
-          <p:nvPr>
-            <p:ph type="title"/>
-          </p:nvPr>
-        </p:nvSpPr>
-        <p:spPr/>
-        <p:txBody>
-          <a:bodyPr/>
-          <a:lstStyle/>
-          <a:p>
-            <a:r>
-              <a:rPr lang="ru-RU" dirty="0"/>
-              <a:t>Структура базы данных</a:t>
-            </a:r>
-          </a:p>
-        </p:txBody>
-      </p:sp>
       <p:pic>
         <p:nvPicPr>
-          <p:cNvPr id="6" name="Рисунок 5">
-            <a:extLst>
-              <a:ext uri="{FF2B5EF4-FFF2-40B4-BE49-F238E27FC236}">
-                <a16:creationId xmlns:a16="http://schemas.microsoft.com/office/drawing/2014/main" id="{FAE40996-A0EB-4405-8FBF-C3291E1378AB}"/>
+          <p:cNvPr id="4" name="Рисунок 3">
+            <a:extLst>
+              <a:ext uri="{FF2B5EF4-FFF2-40B4-BE49-F238E27FC236}">
+                <a16:creationId xmlns:a16="http://schemas.microsoft.com/office/drawing/2014/main" id="{DF6E5933-E452-4138-99E5-176EE3227D26}"/>
               </a:ext>
             </a:extLst>
           </p:cNvPr>
@@ -4763,14 +4873,42 @@
         </p:blipFill>
         <p:spPr>
           <a:xfrm>
-            <a:off x="3232999" y="1964227"/>
-            <a:ext cx="4772691" cy="3610479"/>
+            <a:off x="3261441" y="1912384"/>
+            <a:ext cx="4887007" cy="3648584"/>
           </a:xfrm>
           <a:prstGeom prst="rect">
             <a:avLst/>
           </a:prstGeom>
         </p:spPr>
       </p:pic>
+      <p:sp>
+        <p:nvSpPr>
+          <p:cNvPr id="2" name="Заголовок 1">
+            <a:extLst>
+              <a:ext uri="{FF2B5EF4-FFF2-40B4-BE49-F238E27FC236}">
+                <a16:creationId xmlns:a16="http://schemas.microsoft.com/office/drawing/2014/main" id="{BA323C6F-4559-4EDF-93FB-346D6BC86FEB}"/>
+              </a:ext>
+            </a:extLst>
+          </p:cNvPr>
+          <p:cNvSpPr>
+            <a:spLocks noGrp="1"/>
+          </p:cNvSpPr>
+          <p:nvPr>
+            <p:ph type="title"/>
+          </p:nvPr>
+        </p:nvSpPr>
+        <p:spPr/>
+        <p:txBody>
+          <a:bodyPr/>
+          <a:lstStyle/>
+          <a:p>
+            <a:r>
+              <a:rPr lang="ru-RU" dirty="0"/>
+              <a:t>Структура базы данных</a:t>
+            </a:r>
+          </a:p>
+        </p:txBody>
+      </p:sp>
       <p:sp>
         <p:nvSpPr>
           <p:cNvPr id="9" name="Стрелка: изогнутая вниз 8">
